--- a/FFPM/FFPM 313.pptx
+++ b/FFPM/FFPM 313.pptx
@@ -7,10 +7,15 @@
   <p:sldIdLst>
     <p:sldId id="256" r:id="rId2"/>
     <p:sldId id="257" r:id="rId3"/>
-    <p:sldId id="258" r:id="rId4"/>
-    <p:sldId id="259" r:id="rId5"/>
-    <p:sldId id="260" r:id="rId6"/>
-    <p:sldId id="261" r:id="rId7"/>
+    <p:sldId id="262" r:id="rId4"/>
+    <p:sldId id="258" r:id="rId5"/>
+    <p:sldId id="263" r:id="rId6"/>
+    <p:sldId id="259" r:id="rId7"/>
+    <p:sldId id="264" r:id="rId8"/>
+    <p:sldId id="260" r:id="rId9"/>
+    <p:sldId id="265" r:id="rId10"/>
+    <p:sldId id="261" r:id="rId11"/>
+    <p:sldId id="266" r:id="rId12"/>
   </p:sldIdLst>
   <p:sldSz cx="9144000" cy="5143500" type="screen16x9"/>
   <p:notesSz cx="6858000" cy="9144000"/>
@@ -109,6 +114,22 @@
       </a:defRPr>
     </a:lvl9pPr>
   </p:defaultTextStyle>
+  <p:extLst>
+    <p:ext uri="{EFAFB233-063F-42B5-8137-9DF3F51BA10A}">
+      <p15:sldGuideLst xmlns:p15="http://schemas.microsoft.com/office/powerpoint/2012/main">
+        <p15:guide id="1" orient="horz" pos="1620">
+          <p15:clr>
+            <a:srgbClr val="A4A3A4"/>
+          </p15:clr>
+        </p15:guide>
+        <p15:guide id="2" pos="2880">
+          <p15:clr>
+            <a:srgbClr val="A4A3A4"/>
+          </p15:clr>
+        </p15:guide>
+      </p15:sldGuideLst>
+    </p:ext>
+  </p:extLst>
 </p:presentation>
 </file>
 
@@ -150,10 +171,9 @@
           <a:lstStyle/>
           <a:p>
             <a:r>
-              <a:rPr lang="fr-FR" smtClean="0"/>
+              <a:rPr lang="fr-FR"/>
               <a:t>Cliquez pour modifier le style du titre</a:t>
             </a:r>
-            <a:endParaRPr lang="fr-FR"/>
           </a:p>
         </p:txBody>
       </p:sp>
@@ -269,10 +289,9 @@
           </a:lstStyle>
           <a:p>
             <a:r>
-              <a:rPr lang="fr-FR" smtClean="0"/>
+              <a:rPr lang="fr-FR"/>
               <a:t>Cliquez pour modifier le style des sous-titres du masque</a:t>
             </a:r>
-            <a:endParaRPr lang="fr-FR"/>
           </a:p>
         </p:txBody>
       </p:sp>
@@ -293,7 +312,7 @@
           <a:p>
             <a:fld id="{FAFFD1C3-A48F-40FE-8E14-917E7422F328}" type="datetimeFigureOut">
               <a:rPr lang="fr-FR" smtClean="0"/>
-              <a:t>07/08/2014</a:t>
+              <a:t>21/05/2023</a:t>
             </a:fld>
             <a:endParaRPr lang="fr-FR"/>
           </a:p>
@@ -382,10 +401,9 @@
           <a:lstStyle/>
           <a:p>
             <a:r>
-              <a:rPr lang="fr-FR" smtClean="0"/>
+              <a:rPr lang="fr-FR"/>
               <a:t>Cliquez pour modifier le style du titre</a:t>
             </a:r>
-            <a:endParaRPr lang="fr-FR"/>
           </a:p>
         </p:txBody>
       </p:sp>
@@ -406,38 +424,37 @@
           <a:p>
             <a:pPr lvl="0"/>
             <a:r>
-              <a:rPr lang="fr-FR" smtClean="0"/>
+              <a:rPr lang="fr-FR"/>
               <a:t>Cliquez pour modifier les styles du texte du masque</a:t>
             </a:r>
           </a:p>
           <a:p>
             <a:pPr lvl="1"/>
             <a:r>
-              <a:rPr lang="fr-FR" smtClean="0"/>
+              <a:rPr lang="fr-FR"/>
               <a:t>Deuxième niveau</a:t>
             </a:r>
           </a:p>
           <a:p>
             <a:pPr lvl="2"/>
             <a:r>
-              <a:rPr lang="fr-FR" smtClean="0"/>
+              <a:rPr lang="fr-FR"/>
               <a:t>Troisième niveau</a:t>
             </a:r>
           </a:p>
           <a:p>
             <a:pPr lvl="3"/>
             <a:r>
-              <a:rPr lang="fr-FR" smtClean="0"/>
+              <a:rPr lang="fr-FR"/>
               <a:t>Quatrième niveau</a:t>
             </a:r>
           </a:p>
           <a:p>
             <a:pPr lvl="4"/>
             <a:r>
-              <a:rPr lang="fr-FR" smtClean="0"/>
+              <a:rPr lang="fr-FR"/>
               <a:t>Cinquième niveau</a:t>
             </a:r>
-            <a:endParaRPr lang="fr-FR"/>
           </a:p>
         </p:txBody>
       </p:sp>
@@ -458,7 +475,7 @@
           <a:p>
             <a:fld id="{FAFFD1C3-A48F-40FE-8E14-917E7422F328}" type="datetimeFigureOut">
               <a:rPr lang="fr-FR" smtClean="0"/>
-              <a:t>07/08/2014</a:t>
+              <a:t>21/05/2023</a:t>
             </a:fld>
             <a:endParaRPr lang="fr-FR"/>
           </a:p>
@@ -552,10 +569,9 @@
           <a:lstStyle/>
           <a:p>
             <a:r>
-              <a:rPr lang="fr-FR" smtClean="0"/>
+              <a:rPr lang="fr-FR"/>
               <a:t>Cliquez pour modifier le style du titre</a:t>
             </a:r>
-            <a:endParaRPr lang="fr-FR"/>
           </a:p>
         </p:txBody>
       </p:sp>
@@ -581,38 +597,37 @@
           <a:p>
             <a:pPr lvl="0"/>
             <a:r>
-              <a:rPr lang="fr-FR" smtClean="0"/>
+              <a:rPr lang="fr-FR"/>
               <a:t>Cliquez pour modifier les styles du texte du masque</a:t>
             </a:r>
           </a:p>
           <a:p>
             <a:pPr lvl="1"/>
             <a:r>
-              <a:rPr lang="fr-FR" smtClean="0"/>
+              <a:rPr lang="fr-FR"/>
               <a:t>Deuxième niveau</a:t>
             </a:r>
           </a:p>
           <a:p>
             <a:pPr lvl="2"/>
             <a:r>
-              <a:rPr lang="fr-FR" smtClean="0"/>
+              <a:rPr lang="fr-FR"/>
               <a:t>Troisième niveau</a:t>
             </a:r>
           </a:p>
           <a:p>
             <a:pPr lvl="3"/>
             <a:r>
-              <a:rPr lang="fr-FR" smtClean="0"/>
+              <a:rPr lang="fr-FR"/>
               <a:t>Quatrième niveau</a:t>
             </a:r>
           </a:p>
           <a:p>
             <a:pPr lvl="4"/>
             <a:r>
-              <a:rPr lang="fr-FR" smtClean="0"/>
+              <a:rPr lang="fr-FR"/>
               <a:t>Cinquième niveau</a:t>
             </a:r>
-            <a:endParaRPr lang="fr-FR"/>
           </a:p>
         </p:txBody>
       </p:sp>
@@ -633,7 +648,7 @@
           <a:p>
             <a:fld id="{FAFFD1C3-A48F-40FE-8E14-917E7422F328}" type="datetimeFigureOut">
               <a:rPr lang="fr-FR" smtClean="0"/>
-              <a:t>07/08/2014</a:t>
+              <a:t>21/05/2023</a:t>
             </a:fld>
             <a:endParaRPr lang="fr-FR"/>
           </a:p>
@@ -722,10 +737,9 @@
           <a:lstStyle/>
           <a:p>
             <a:r>
-              <a:rPr lang="fr-FR" smtClean="0"/>
+              <a:rPr lang="fr-FR"/>
               <a:t>Cliquez pour modifier le style du titre</a:t>
             </a:r>
-            <a:endParaRPr lang="fr-FR"/>
           </a:p>
         </p:txBody>
       </p:sp>
@@ -746,38 +760,37 @@
           <a:p>
             <a:pPr lvl="0"/>
             <a:r>
-              <a:rPr lang="fr-FR" smtClean="0"/>
+              <a:rPr lang="fr-FR"/>
               <a:t>Cliquez pour modifier les styles du texte du masque</a:t>
             </a:r>
           </a:p>
           <a:p>
             <a:pPr lvl="1"/>
             <a:r>
-              <a:rPr lang="fr-FR" smtClean="0"/>
+              <a:rPr lang="fr-FR"/>
               <a:t>Deuxième niveau</a:t>
             </a:r>
           </a:p>
           <a:p>
             <a:pPr lvl="2"/>
             <a:r>
-              <a:rPr lang="fr-FR" smtClean="0"/>
+              <a:rPr lang="fr-FR"/>
               <a:t>Troisième niveau</a:t>
             </a:r>
           </a:p>
           <a:p>
             <a:pPr lvl="3"/>
             <a:r>
-              <a:rPr lang="fr-FR" smtClean="0"/>
+              <a:rPr lang="fr-FR"/>
               <a:t>Quatrième niveau</a:t>
             </a:r>
           </a:p>
           <a:p>
             <a:pPr lvl="4"/>
             <a:r>
-              <a:rPr lang="fr-FR" smtClean="0"/>
+              <a:rPr lang="fr-FR"/>
               <a:t>Cinquième niveau</a:t>
             </a:r>
-            <a:endParaRPr lang="fr-FR"/>
           </a:p>
         </p:txBody>
       </p:sp>
@@ -798,7 +811,7 @@
           <a:p>
             <a:fld id="{FAFFD1C3-A48F-40FE-8E14-917E7422F328}" type="datetimeFigureOut">
               <a:rPr lang="fr-FR" smtClean="0"/>
-              <a:t>07/08/2014</a:t>
+              <a:t>21/05/2023</a:t>
             </a:fld>
             <a:endParaRPr lang="fr-FR"/>
           </a:p>
@@ -896,10 +909,9 @@
           </a:lstStyle>
           <a:p>
             <a:r>
-              <a:rPr lang="fr-FR" smtClean="0"/>
+              <a:rPr lang="fr-FR"/>
               <a:t>Cliquez pour modifier le style du titre</a:t>
             </a:r>
-            <a:endParaRPr lang="fr-FR"/>
           </a:p>
         </p:txBody>
       </p:sp>
@@ -1016,7 +1028,7 @@
           <a:p>
             <a:pPr lvl="0"/>
             <a:r>
-              <a:rPr lang="fr-FR" smtClean="0"/>
+              <a:rPr lang="fr-FR"/>
               <a:t>Cliquez pour modifier les styles du texte du masque</a:t>
             </a:r>
           </a:p>
@@ -1039,7 +1051,7 @@
           <a:p>
             <a:fld id="{FAFFD1C3-A48F-40FE-8E14-917E7422F328}" type="datetimeFigureOut">
               <a:rPr lang="fr-FR" smtClean="0"/>
-              <a:t>07/08/2014</a:t>
+              <a:t>21/05/2023</a:t>
             </a:fld>
             <a:endParaRPr lang="fr-FR"/>
           </a:p>
@@ -1128,10 +1140,9 @@
           <a:lstStyle/>
           <a:p>
             <a:r>
-              <a:rPr lang="fr-FR" smtClean="0"/>
+              <a:rPr lang="fr-FR"/>
               <a:t>Cliquez pour modifier le style du titre</a:t>
             </a:r>
-            <a:endParaRPr lang="fr-FR"/>
           </a:p>
         </p:txBody>
       </p:sp>
@@ -1185,38 +1196,37 @@
           <a:p>
             <a:pPr lvl="0"/>
             <a:r>
-              <a:rPr lang="fr-FR" smtClean="0"/>
+              <a:rPr lang="fr-FR"/>
               <a:t>Cliquez pour modifier les styles du texte du masque</a:t>
             </a:r>
           </a:p>
           <a:p>
             <a:pPr lvl="1"/>
             <a:r>
-              <a:rPr lang="fr-FR" smtClean="0"/>
+              <a:rPr lang="fr-FR"/>
               <a:t>Deuxième niveau</a:t>
             </a:r>
           </a:p>
           <a:p>
             <a:pPr lvl="2"/>
             <a:r>
-              <a:rPr lang="fr-FR" smtClean="0"/>
+              <a:rPr lang="fr-FR"/>
               <a:t>Troisième niveau</a:t>
             </a:r>
           </a:p>
           <a:p>
             <a:pPr lvl="3"/>
             <a:r>
-              <a:rPr lang="fr-FR" smtClean="0"/>
+              <a:rPr lang="fr-FR"/>
               <a:t>Quatrième niveau</a:t>
             </a:r>
           </a:p>
           <a:p>
             <a:pPr lvl="4"/>
             <a:r>
-              <a:rPr lang="fr-FR" smtClean="0"/>
+              <a:rPr lang="fr-FR"/>
               <a:t>Cinquième niveau</a:t>
             </a:r>
-            <a:endParaRPr lang="fr-FR"/>
           </a:p>
         </p:txBody>
       </p:sp>
@@ -1270,38 +1280,37 @@
           <a:p>
             <a:pPr lvl="0"/>
             <a:r>
-              <a:rPr lang="fr-FR" smtClean="0"/>
+              <a:rPr lang="fr-FR"/>
               <a:t>Cliquez pour modifier les styles du texte du masque</a:t>
             </a:r>
           </a:p>
           <a:p>
             <a:pPr lvl="1"/>
             <a:r>
-              <a:rPr lang="fr-FR" smtClean="0"/>
+              <a:rPr lang="fr-FR"/>
               <a:t>Deuxième niveau</a:t>
             </a:r>
           </a:p>
           <a:p>
             <a:pPr lvl="2"/>
             <a:r>
-              <a:rPr lang="fr-FR" smtClean="0"/>
+              <a:rPr lang="fr-FR"/>
               <a:t>Troisième niveau</a:t>
             </a:r>
           </a:p>
           <a:p>
             <a:pPr lvl="3"/>
             <a:r>
-              <a:rPr lang="fr-FR" smtClean="0"/>
+              <a:rPr lang="fr-FR"/>
               <a:t>Quatrième niveau</a:t>
             </a:r>
           </a:p>
           <a:p>
             <a:pPr lvl="4"/>
             <a:r>
-              <a:rPr lang="fr-FR" smtClean="0"/>
+              <a:rPr lang="fr-FR"/>
               <a:t>Cinquième niveau</a:t>
             </a:r>
-            <a:endParaRPr lang="fr-FR"/>
           </a:p>
         </p:txBody>
       </p:sp>
@@ -1322,7 +1331,7 @@
           <a:p>
             <a:fld id="{FAFFD1C3-A48F-40FE-8E14-917E7422F328}" type="datetimeFigureOut">
               <a:rPr lang="fr-FR" smtClean="0"/>
-              <a:t>07/08/2014</a:t>
+              <a:t>21/05/2023</a:t>
             </a:fld>
             <a:endParaRPr lang="fr-FR"/>
           </a:p>
@@ -1420,10 +1429,9 @@
           </a:lstStyle>
           <a:p>
             <a:r>
-              <a:rPr lang="fr-FR" smtClean="0"/>
+              <a:rPr lang="fr-FR"/>
               <a:t>Cliquez pour modifier le style du titre</a:t>
             </a:r>
-            <a:endParaRPr lang="fr-FR"/>
           </a:p>
         </p:txBody>
       </p:sp>
@@ -1486,7 +1494,7 @@
           <a:p>
             <a:pPr lvl="0"/>
             <a:r>
-              <a:rPr lang="fr-FR" smtClean="0"/>
+              <a:rPr lang="fr-FR"/>
               <a:t>Cliquez pour modifier les styles du texte du masque</a:t>
             </a:r>
           </a:p>
@@ -1542,38 +1550,37 @@
           <a:p>
             <a:pPr lvl="0"/>
             <a:r>
-              <a:rPr lang="fr-FR" smtClean="0"/>
+              <a:rPr lang="fr-FR"/>
               <a:t>Cliquez pour modifier les styles du texte du masque</a:t>
             </a:r>
           </a:p>
           <a:p>
             <a:pPr lvl="1"/>
             <a:r>
-              <a:rPr lang="fr-FR" smtClean="0"/>
+              <a:rPr lang="fr-FR"/>
               <a:t>Deuxième niveau</a:t>
             </a:r>
           </a:p>
           <a:p>
             <a:pPr lvl="2"/>
             <a:r>
-              <a:rPr lang="fr-FR" smtClean="0"/>
+              <a:rPr lang="fr-FR"/>
               <a:t>Troisième niveau</a:t>
             </a:r>
           </a:p>
           <a:p>
             <a:pPr lvl="3"/>
             <a:r>
-              <a:rPr lang="fr-FR" smtClean="0"/>
+              <a:rPr lang="fr-FR"/>
               <a:t>Quatrième niveau</a:t>
             </a:r>
           </a:p>
           <a:p>
             <a:pPr lvl="4"/>
             <a:r>
-              <a:rPr lang="fr-FR" smtClean="0"/>
+              <a:rPr lang="fr-FR"/>
               <a:t>Cinquième niveau</a:t>
             </a:r>
-            <a:endParaRPr lang="fr-FR"/>
           </a:p>
         </p:txBody>
       </p:sp>
@@ -1636,7 +1643,7 @@
           <a:p>
             <a:pPr lvl="0"/>
             <a:r>
-              <a:rPr lang="fr-FR" smtClean="0"/>
+              <a:rPr lang="fr-FR"/>
               <a:t>Cliquez pour modifier les styles du texte du masque</a:t>
             </a:r>
           </a:p>
@@ -1692,38 +1699,37 @@
           <a:p>
             <a:pPr lvl="0"/>
             <a:r>
-              <a:rPr lang="fr-FR" smtClean="0"/>
+              <a:rPr lang="fr-FR"/>
               <a:t>Cliquez pour modifier les styles du texte du masque</a:t>
             </a:r>
           </a:p>
           <a:p>
             <a:pPr lvl="1"/>
             <a:r>
-              <a:rPr lang="fr-FR" smtClean="0"/>
+              <a:rPr lang="fr-FR"/>
               <a:t>Deuxième niveau</a:t>
             </a:r>
           </a:p>
           <a:p>
             <a:pPr lvl="2"/>
             <a:r>
-              <a:rPr lang="fr-FR" smtClean="0"/>
+              <a:rPr lang="fr-FR"/>
               <a:t>Troisième niveau</a:t>
             </a:r>
           </a:p>
           <a:p>
             <a:pPr lvl="3"/>
             <a:r>
-              <a:rPr lang="fr-FR" smtClean="0"/>
+              <a:rPr lang="fr-FR"/>
               <a:t>Quatrième niveau</a:t>
             </a:r>
           </a:p>
           <a:p>
             <a:pPr lvl="4"/>
             <a:r>
-              <a:rPr lang="fr-FR" smtClean="0"/>
+              <a:rPr lang="fr-FR"/>
               <a:t>Cinquième niveau</a:t>
             </a:r>
-            <a:endParaRPr lang="fr-FR"/>
           </a:p>
         </p:txBody>
       </p:sp>
@@ -1744,7 +1750,7 @@
           <a:p>
             <a:fld id="{FAFFD1C3-A48F-40FE-8E14-917E7422F328}" type="datetimeFigureOut">
               <a:rPr lang="fr-FR" smtClean="0"/>
-              <a:t>07/08/2014</a:t>
+              <a:t>21/05/2023</a:t>
             </a:fld>
             <a:endParaRPr lang="fr-FR"/>
           </a:p>
@@ -1833,10 +1839,9 @@
           <a:lstStyle/>
           <a:p>
             <a:r>
-              <a:rPr lang="fr-FR" smtClean="0"/>
+              <a:rPr lang="fr-FR"/>
               <a:t>Cliquez pour modifier le style du titre</a:t>
             </a:r>
-            <a:endParaRPr lang="fr-FR"/>
           </a:p>
         </p:txBody>
       </p:sp>
@@ -1857,7 +1862,7 @@
           <a:p>
             <a:fld id="{FAFFD1C3-A48F-40FE-8E14-917E7422F328}" type="datetimeFigureOut">
               <a:rPr lang="fr-FR" smtClean="0"/>
-              <a:t>07/08/2014</a:t>
+              <a:t>21/05/2023</a:t>
             </a:fld>
             <a:endParaRPr lang="fr-FR"/>
           </a:p>
@@ -1947,7 +1952,7 @@
           <a:p>
             <a:fld id="{FAFFD1C3-A48F-40FE-8E14-917E7422F328}" type="datetimeFigureOut">
               <a:rPr lang="fr-FR" smtClean="0"/>
-              <a:t>07/08/2014</a:t>
+              <a:t>21/05/2023</a:t>
             </a:fld>
             <a:endParaRPr lang="fr-FR"/>
           </a:p>
@@ -2045,10 +2050,9 @@
           </a:lstStyle>
           <a:p>
             <a:r>
-              <a:rPr lang="fr-FR" smtClean="0"/>
+              <a:rPr lang="fr-FR"/>
               <a:t>Cliquez pour modifier le style du titre</a:t>
             </a:r>
-            <a:endParaRPr lang="fr-FR"/>
           </a:p>
         </p:txBody>
       </p:sp>
@@ -2102,38 +2106,37 @@
           <a:p>
             <a:pPr lvl="0"/>
             <a:r>
-              <a:rPr lang="fr-FR" smtClean="0"/>
+              <a:rPr lang="fr-FR"/>
               <a:t>Cliquez pour modifier les styles du texte du masque</a:t>
             </a:r>
           </a:p>
           <a:p>
             <a:pPr lvl="1"/>
             <a:r>
-              <a:rPr lang="fr-FR" smtClean="0"/>
+              <a:rPr lang="fr-FR"/>
               <a:t>Deuxième niveau</a:t>
             </a:r>
           </a:p>
           <a:p>
             <a:pPr lvl="2"/>
             <a:r>
-              <a:rPr lang="fr-FR" smtClean="0"/>
+              <a:rPr lang="fr-FR"/>
               <a:t>Troisième niveau</a:t>
             </a:r>
           </a:p>
           <a:p>
             <a:pPr lvl="3"/>
             <a:r>
-              <a:rPr lang="fr-FR" smtClean="0"/>
+              <a:rPr lang="fr-FR"/>
               <a:t>Quatrième niveau</a:t>
             </a:r>
           </a:p>
           <a:p>
             <a:pPr lvl="4"/>
             <a:r>
-              <a:rPr lang="fr-FR" smtClean="0"/>
+              <a:rPr lang="fr-FR"/>
               <a:t>Cinquième niveau</a:t>
             </a:r>
-            <a:endParaRPr lang="fr-FR"/>
           </a:p>
         </p:txBody>
       </p:sp>
@@ -2196,7 +2199,7 @@
           <a:p>
             <a:pPr lvl="0"/>
             <a:r>
-              <a:rPr lang="fr-FR" smtClean="0"/>
+              <a:rPr lang="fr-FR"/>
               <a:t>Cliquez pour modifier les styles du texte du masque</a:t>
             </a:r>
           </a:p>
@@ -2219,7 +2222,7 @@
           <a:p>
             <a:fld id="{FAFFD1C3-A48F-40FE-8E14-917E7422F328}" type="datetimeFigureOut">
               <a:rPr lang="fr-FR" smtClean="0"/>
-              <a:t>07/08/2014</a:t>
+              <a:t>21/05/2023</a:t>
             </a:fld>
             <a:endParaRPr lang="fr-FR"/>
           </a:p>
@@ -2317,10 +2320,9 @@
           </a:lstStyle>
           <a:p>
             <a:r>
-              <a:rPr lang="fr-FR" smtClean="0"/>
+              <a:rPr lang="fr-FR"/>
               <a:t>Cliquez pour modifier le style du titre</a:t>
             </a:r>
-            <a:endParaRPr lang="fr-FR"/>
           </a:p>
         </p:txBody>
       </p:sp>
@@ -2444,7 +2446,7 @@
           <a:p>
             <a:pPr lvl="0"/>
             <a:r>
-              <a:rPr lang="fr-FR" smtClean="0"/>
+              <a:rPr lang="fr-FR"/>
               <a:t>Cliquez pour modifier les styles du texte du masque</a:t>
             </a:r>
           </a:p>
@@ -2467,7 +2469,7 @@
           <a:p>
             <a:fld id="{FAFFD1C3-A48F-40FE-8E14-917E7422F328}" type="datetimeFigureOut">
               <a:rPr lang="fr-FR" smtClean="0"/>
-              <a:t>07/08/2014</a:t>
+              <a:t>21/05/2023</a:t>
             </a:fld>
             <a:endParaRPr lang="fr-FR"/>
           </a:p>
@@ -2571,10 +2573,9 @@
           <a:lstStyle/>
           <a:p>
             <a:r>
-              <a:rPr lang="fr-FR" smtClean="0"/>
+              <a:rPr lang="fr-FR"/>
               <a:t>Cliquez pour modifier le style du titre</a:t>
             </a:r>
-            <a:endParaRPr lang="fr-FR"/>
           </a:p>
         </p:txBody>
       </p:sp>
@@ -2605,38 +2606,37 @@
           <a:p>
             <a:pPr lvl="0"/>
             <a:r>
-              <a:rPr lang="fr-FR" smtClean="0"/>
+              <a:rPr lang="fr-FR"/>
               <a:t>Cliquez pour modifier les styles du texte du masque</a:t>
             </a:r>
           </a:p>
           <a:p>
             <a:pPr lvl="1"/>
             <a:r>
-              <a:rPr lang="fr-FR" smtClean="0"/>
+              <a:rPr lang="fr-FR"/>
               <a:t>Deuxième niveau</a:t>
             </a:r>
           </a:p>
           <a:p>
             <a:pPr lvl="2"/>
             <a:r>
-              <a:rPr lang="fr-FR" smtClean="0"/>
+              <a:rPr lang="fr-FR"/>
               <a:t>Troisième niveau</a:t>
             </a:r>
           </a:p>
           <a:p>
             <a:pPr lvl="3"/>
             <a:r>
-              <a:rPr lang="fr-FR" smtClean="0"/>
+              <a:rPr lang="fr-FR"/>
               <a:t>Quatrième niveau</a:t>
             </a:r>
           </a:p>
           <a:p>
             <a:pPr lvl="4"/>
             <a:r>
-              <a:rPr lang="fr-FR" smtClean="0"/>
+              <a:rPr lang="fr-FR"/>
               <a:t>Cinquième niveau</a:t>
             </a:r>
-            <a:endParaRPr lang="fr-FR"/>
           </a:p>
         </p:txBody>
       </p:sp>
@@ -2675,7 +2675,7 @@
           <a:p>
             <a:fld id="{FAFFD1C3-A48F-40FE-8E14-917E7422F328}" type="datetimeFigureOut">
               <a:rPr lang="fr-FR" smtClean="0"/>
-              <a:t>07/08/2014</a:t>
+              <a:t>21/05/2023</a:t>
             </a:fld>
             <a:endParaRPr lang="fr-FR"/>
           </a:p>
@@ -3068,30 +3068,30 @@
           <a:lstStyle/>
           <a:p>
             <a:r>
-              <a:rPr lang="fr-FR" sz="7200" b="1" dirty="0" smtClean="0"/>
+              <a:rPr lang="fr-FR" sz="7200" b="1" dirty="0"/>
               <a:t>313 </a:t>
             </a:r>
             <a:br>
-              <a:rPr lang="fr-FR" sz="7200" b="1" dirty="0" smtClean="0"/>
+              <a:rPr lang="fr-FR" sz="7200" b="1" dirty="0"/>
             </a:br>
             <a:r>
-              <a:rPr lang="fr-FR" sz="7200" b="1" dirty="0" err="1" smtClean="0"/>
+              <a:rPr lang="fr-FR" sz="7200" b="1" dirty="0" err="1"/>
               <a:t>Miantra</a:t>
             </a:r>
             <a:r>
-              <a:rPr lang="fr-FR" sz="7200" b="1" dirty="0" smtClean="0"/>
-              <a:t> </a:t>
-            </a:r>
-            <a:r>
-              <a:rPr lang="fr-FR" sz="7200" b="1" dirty="0" err="1" smtClean="0"/>
+              <a:rPr lang="fr-FR" sz="7200" b="1" dirty="0"/>
+              <a:t> </a:t>
+            </a:r>
+            <a:r>
+              <a:rPr lang="fr-FR" sz="7200" b="1" dirty="0" err="1"/>
               <a:t>ny</a:t>
             </a:r>
             <a:r>
-              <a:rPr lang="fr-FR" sz="7200" b="1" dirty="0" smtClean="0"/>
-              <a:t> </a:t>
-            </a:r>
-            <a:r>
-              <a:rPr lang="fr-FR" sz="7200" b="1" dirty="0" err="1" smtClean="0"/>
+              <a:rPr lang="fr-FR" sz="7200" b="1" dirty="0"/>
+              <a:t> </a:t>
+            </a:r>
+            <a:r>
+              <a:rPr lang="fr-FR" sz="7200" b="1" dirty="0" err="1"/>
               <a:t>firenena</a:t>
             </a:r>
             <a:endParaRPr lang="fr-FR" sz="7200" b="1" dirty="0"/>
@@ -3099,6 +3099,322 @@
         </p:txBody>
       </p:sp>
     </p:spTree>
+  </p:cSld>
+  <p:clrMapOvr>
+    <a:masterClrMapping/>
+  </p:clrMapOvr>
+</p:sld>
+</file>
+
+<file path=ppt/slides/slide10.xml><?xml version="1.0" encoding="utf-8"?>
+<p:sld xmlns:a="http://schemas.openxmlformats.org/drawingml/2006/main" xmlns:r="http://schemas.openxmlformats.org/officeDocument/2006/relationships" xmlns:p="http://schemas.openxmlformats.org/presentationml/2006/main">
+  <p:cSld>
+    <p:spTree>
+      <p:nvGrpSpPr>
+        <p:cNvPr id="1" name=""/>
+        <p:cNvGrpSpPr/>
+        <p:nvPr/>
+      </p:nvGrpSpPr>
+      <p:grpSpPr>
+        <a:xfrm>
+          <a:off x="0" y="0"/>
+          <a:ext cx="0" cy="0"/>
+          <a:chOff x="0" y="0"/>
+          <a:chExt cx="0" cy="0"/>
+        </a:xfrm>
+      </p:grpSpPr>
+      <p:sp>
+        <p:nvSpPr>
+          <p:cNvPr id="2" name="Titre 1"/>
+          <p:cNvSpPr>
+            <a:spLocks noGrp="1"/>
+          </p:cNvSpPr>
+          <p:nvPr>
+            <p:ph type="ctrTitle"/>
+          </p:nvPr>
+        </p:nvSpPr>
+        <p:spPr>
+          <a:xfrm>
+            <a:off x="0" y="339502"/>
+            <a:ext cx="9144000" cy="4227933"/>
+          </a:xfrm>
+        </p:spPr>
+        <p:txBody>
+          <a:bodyPr>
+            <a:noAutofit/>
+          </a:bodyPr>
+          <a:lstStyle/>
+          <a:p>
+            <a:r>
+              <a:rPr lang="fr-FR" sz="6600" b="1" dirty="0"/>
+              <a:t>5. </a:t>
+            </a:r>
+            <a:r>
+              <a:rPr lang="fr-FR" sz="6600" b="1" dirty="0" err="1"/>
+              <a:t>Ny</a:t>
+            </a:r>
+            <a:r>
+              <a:rPr lang="fr-FR" sz="6600" b="1" dirty="0"/>
+              <a:t> </a:t>
+            </a:r>
+            <a:r>
+              <a:rPr lang="fr-FR" sz="6600" b="1" dirty="0" err="1"/>
+              <a:t>harena</a:t>
+            </a:r>
+            <a:r>
+              <a:rPr lang="fr-FR" sz="6600" b="1" dirty="0"/>
+              <a:t> </a:t>
+            </a:r>
+            <a:r>
+              <a:rPr lang="fr-FR" sz="6600" b="1" dirty="0" err="1"/>
+              <a:t>anomezo</a:t>
+            </a:r>
+            <a:br>
+              <a:rPr lang="fr-FR" sz="6600" b="1" dirty="0"/>
+            </a:br>
+            <a:r>
+              <a:rPr lang="fr-FR" sz="6600" b="1" dirty="0"/>
+              <a:t>      </a:t>
+            </a:r>
+            <a:r>
+              <a:rPr lang="fr-FR" sz="6600" b="1" dirty="0" err="1"/>
+              <a:t>Sy</a:t>
+            </a:r>
+            <a:r>
+              <a:rPr lang="fr-FR" sz="6600" b="1" dirty="0"/>
+              <a:t> </a:t>
+            </a:r>
+            <a:r>
+              <a:rPr lang="fr-FR" sz="6600" b="1" dirty="0" err="1"/>
+              <a:t>ny</a:t>
+            </a:r>
+            <a:r>
+              <a:rPr lang="fr-FR" sz="6600" b="1" dirty="0"/>
+              <a:t> </a:t>
+            </a:r>
+            <a:r>
+              <a:rPr lang="fr-FR" sz="6600" b="1" dirty="0" err="1"/>
+              <a:t>fahendrena</a:t>
+            </a:r>
+            <a:r>
+              <a:rPr lang="fr-FR" sz="6600" b="1" dirty="0"/>
+              <a:t> </a:t>
+            </a:r>
+            <a:r>
+              <a:rPr lang="fr-FR" sz="6600" b="1" dirty="0" err="1"/>
+              <a:t>koa</a:t>
+            </a:r>
+            <a:r>
+              <a:rPr lang="fr-FR" sz="6600" b="1" dirty="0"/>
+              <a:t>,</a:t>
+            </a:r>
+            <a:br>
+              <a:rPr lang="fr-FR" sz="6600" b="1" dirty="0"/>
+            </a:br>
+            <a:r>
+              <a:rPr lang="fr-FR" sz="6600" b="1" dirty="0"/>
+              <a:t>   </a:t>
+            </a:r>
+            <a:r>
+              <a:rPr lang="fr-FR" sz="6600" b="1" dirty="0" err="1"/>
+              <a:t>Eny</a:t>
+            </a:r>
+            <a:r>
+              <a:rPr lang="fr-FR" sz="6600" b="1" dirty="0"/>
+              <a:t>, </a:t>
+            </a:r>
+            <a:r>
+              <a:rPr lang="fr-FR" sz="6600" b="1" dirty="0" err="1"/>
+              <a:t>Kristiana</a:t>
+            </a:r>
+            <a:r>
+              <a:rPr lang="fr-FR" sz="6600" b="1" dirty="0"/>
+              <a:t> ! </a:t>
+            </a:r>
+            <a:r>
+              <a:rPr lang="fr-FR" sz="6600" b="1" dirty="0" err="1"/>
+              <a:t>aelezo</a:t>
+            </a:r>
+            <a:br>
+              <a:rPr lang="fr-FR" sz="6600" b="1" dirty="0"/>
+            </a:br>
+            <a:r>
+              <a:rPr lang="fr-FR" sz="6600" b="1" dirty="0" err="1"/>
+              <a:t>Izay</a:t>
+            </a:r>
+            <a:r>
+              <a:rPr lang="fr-FR" sz="6600" b="1" dirty="0"/>
+              <a:t> </a:t>
+            </a:r>
+            <a:r>
+              <a:rPr lang="fr-FR" sz="6600" b="1" dirty="0" err="1"/>
+              <a:t>rehetra</a:t>
+            </a:r>
+            <a:r>
+              <a:rPr lang="fr-FR" sz="6600" b="1" dirty="0"/>
+              <a:t> </a:t>
+            </a:r>
+            <a:r>
+              <a:rPr lang="fr-FR" sz="6600" b="1" dirty="0" err="1"/>
+              <a:t>mahasoa</a:t>
+            </a:r>
+            <a:r>
+              <a:rPr lang="fr-FR" sz="6600" b="1" dirty="0"/>
+              <a:t> ;</a:t>
+            </a:r>
+          </a:p>
+        </p:txBody>
+      </p:sp>
+    </p:spTree>
+  </p:cSld>
+  <p:clrMapOvr>
+    <a:masterClrMapping/>
+  </p:clrMapOvr>
+</p:sld>
+</file>
+
+<file path=ppt/slides/slide11.xml><?xml version="1.0" encoding="utf-8"?>
+<p:sld xmlns:a="http://schemas.openxmlformats.org/drawingml/2006/main" xmlns:r="http://schemas.openxmlformats.org/officeDocument/2006/relationships" xmlns:p="http://schemas.openxmlformats.org/presentationml/2006/main">
+  <p:cSld>
+    <p:spTree>
+      <p:nvGrpSpPr>
+        <p:cNvPr id="1" name=""/>
+        <p:cNvGrpSpPr/>
+        <p:nvPr/>
+      </p:nvGrpSpPr>
+      <p:grpSpPr>
+        <a:xfrm>
+          <a:off x="0" y="0"/>
+          <a:ext cx="0" cy="0"/>
+          <a:chOff x="0" y="0"/>
+          <a:chExt cx="0" cy="0"/>
+        </a:xfrm>
+      </p:grpSpPr>
+      <p:sp>
+        <p:nvSpPr>
+          <p:cNvPr id="5" name="ZoneTexte 4">
+            <a:extLst>
+              <a:ext uri="{FF2B5EF4-FFF2-40B4-BE49-F238E27FC236}">
+                <a16:creationId xmlns:a16="http://schemas.microsoft.com/office/drawing/2014/main" id="{A31F8A25-04C3-4A5D-19D1-4A9727CE4ED1}"/>
+              </a:ext>
+            </a:extLst>
+          </p:cNvPr>
+          <p:cNvSpPr txBox="1"/>
+          <p:nvPr/>
+        </p:nvSpPr>
+        <p:spPr>
+          <a:xfrm>
+            <a:off x="0" y="411510"/>
+            <a:ext cx="9144000" cy="4154984"/>
+          </a:xfrm>
+          <a:prstGeom prst="rect">
+            <a:avLst/>
+          </a:prstGeom>
+          <a:noFill/>
+        </p:spPr>
+        <p:txBody>
+          <a:bodyPr wrap="square">
+            <a:spAutoFit/>
+          </a:bodyPr>
+          <a:lstStyle/>
+          <a:p>
+            <a:pPr algn="ctr"/>
+            <a:r>
+              <a:rPr lang="fr-FR" sz="6600" b="1" dirty="0" err="1"/>
+              <a:t>Mankanesa</a:t>
+            </a:r>
+            <a:r>
+              <a:rPr lang="fr-FR" sz="6600" b="1" dirty="0"/>
+              <a:t> re </a:t>
+            </a:r>
+            <a:r>
+              <a:rPr lang="fr-FR" sz="6600" b="1" dirty="0" err="1"/>
+              <a:t>izay</a:t>
+            </a:r>
+            <a:r>
+              <a:rPr lang="fr-FR" sz="6600" b="1" dirty="0"/>
+              <a:t> </a:t>
+            </a:r>
+            <a:r>
+              <a:rPr lang="fr-FR" sz="6600" b="1" dirty="0" err="1"/>
+              <a:t>tia</a:t>
+            </a:r>
+            <a:br>
+              <a:rPr lang="fr-FR" sz="6600" b="1" dirty="0"/>
+            </a:br>
+            <a:r>
+              <a:rPr lang="fr-FR" sz="6600" b="1" dirty="0"/>
+              <a:t>Ny </a:t>
+            </a:r>
+            <a:r>
+              <a:rPr lang="fr-FR" sz="6600" b="1" dirty="0" err="1"/>
+              <a:t>Mpamonjy</a:t>
+            </a:r>
+            <a:r>
+              <a:rPr lang="fr-FR" sz="6600" b="1" dirty="0"/>
+              <a:t> </a:t>
+            </a:r>
+            <a:r>
+              <a:rPr lang="fr-FR" sz="6600" b="1" dirty="0" err="1"/>
+              <a:t>lehibe</a:t>
+            </a:r>
+            <a:r>
+              <a:rPr lang="fr-FR" sz="6600" b="1" dirty="0"/>
+              <a:t> ;</a:t>
+            </a:r>
+            <a:br>
+              <a:rPr lang="fr-FR" sz="6600" b="1" dirty="0"/>
+            </a:br>
+            <a:r>
+              <a:rPr lang="fr-FR" sz="6600" b="1" dirty="0"/>
+              <a:t>:,: </a:t>
+            </a:r>
+            <a:r>
+              <a:rPr lang="fr-FR" sz="6600" b="1" dirty="0" err="1"/>
+              <a:t>Miantrà</a:t>
+            </a:r>
+            <a:r>
+              <a:rPr lang="fr-FR" sz="6600" b="1" dirty="0"/>
+              <a:t> ka </a:t>
+            </a:r>
+            <a:r>
+              <a:rPr lang="fr-FR" sz="6600" b="1" dirty="0" err="1"/>
+              <a:t>manampia</a:t>
+            </a:r>
+            <a:endParaRPr lang="fr-FR" sz="6600" b="1" dirty="0"/>
+          </a:p>
+          <a:p>
+            <a:pPr algn="ctr"/>
+            <a:r>
+              <a:rPr lang="fr-FR" sz="6600" b="1" dirty="0"/>
+              <a:t>Ny </a:t>
+            </a:r>
+            <a:r>
+              <a:rPr lang="fr-FR" sz="6600" b="1" dirty="0" err="1"/>
+              <a:t>mahantra</a:t>
+            </a:r>
+            <a:r>
+              <a:rPr lang="fr-FR" sz="6600" b="1" dirty="0"/>
+              <a:t> </a:t>
+            </a:r>
+            <a:r>
+              <a:rPr lang="fr-FR" sz="6600" b="1" dirty="0" err="1"/>
+              <a:t>marobe</a:t>
+            </a:r>
+            <a:r>
+              <a:rPr lang="fr-FR" sz="6600" b="1" dirty="0"/>
+              <a:t> :,:</a:t>
+            </a:r>
+            <a:endParaRPr lang="fr-FR" sz="6600" dirty="0"/>
+          </a:p>
+        </p:txBody>
+      </p:sp>
+    </p:spTree>
+    <p:extLst>
+      <p:ext uri="{BB962C8B-B14F-4D97-AF65-F5344CB8AC3E}">
+        <p14:creationId xmlns:p14="http://schemas.microsoft.com/office/powerpoint/2010/main" val="922391722"/>
+      </p:ext>
+    </p:extLst>
   </p:cSld>
   <p:clrMapOvr>
     <a:masterClrMapping/>
@@ -3146,251 +3462,122 @@
           <a:lstStyle/>
           <a:p>
             <a:r>
-              <a:rPr lang="fr-FR" b="1" dirty="0" smtClean="0"/>
+              <a:rPr lang="fr-FR" sz="6600" b="1" dirty="0"/>
               <a:t>1. </a:t>
             </a:r>
             <a:r>
-              <a:rPr lang="fr-FR" b="1" dirty="0" err="1" smtClean="0"/>
+              <a:rPr lang="fr-FR" sz="6600" b="1" dirty="0" err="1"/>
               <a:t>Miantra</a:t>
             </a:r>
             <a:r>
-              <a:rPr lang="fr-FR" b="1" dirty="0" smtClean="0"/>
-              <a:t> </a:t>
-            </a:r>
-            <a:r>
-              <a:rPr lang="fr-FR" b="1" dirty="0" err="1" smtClean="0"/>
+              <a:rPr lang="fr-FR" sz="6600" b="1" dirty="0"/>
+              <a:t> </a:t>
+            </a:r>
+            <a:r>
+              <a:rPr lang="fr-FR" sz="6600" b="1" dirty="0" err="1"/>
               <a:t>ny</a:t>
             </a:r>
             <a:r>
-              <a:rPr lang="fr-FR" b="1" dirty="0" smtClean="0"/>
-              <a:t> </a:t>
-            </a:r>
-            <a:r>
-              <a:rPr lang="fr-FR" b="1" dirty="0" err="1" smtClean="0"/>
+              <a:rPr lang="fr-FR" sz="6600" b="1" dirty="0"/>
+              <a:t> </a:t>
+            </a:r>
+            <a:r>
+              <a:rPr lang="fr-FR" sz="6600" b="1" dirty="0" err="1"/>
               <a:t>firenena</a:t>
             </a:r>
             <a:r>
-              <a:rPr lang="fr-FR" b="1" dirty="0" smtClean="0"/>
+              <a:rPr lang="fr-FR" sz="6600" b="1" dirty="0"/>
               <a:t>,</a:t>
             </a:r>
             <a:br>
-              <a:rPr lang="fr-FR" b="1" dirty="0" smtClean="0"/>
+              <a:rPr lang="fr-FR" sz="6600" b="1" dirty="0"/>
             </a:br>
             <a:r>
-              <a:rPr lang="fr-FR" b="1" dirty="0" smtClean="0"/>
+              <a:rPr lang="fr-FR" sz="6600" b="1" dirty="0"/>
               <a:t>    </a:t>
             </a:r>
             <a:r>
-              <a:rPr lang="fr-FR" b="1" dirty="0" err="1" smtClean="0"/>
+              <a:rPr lang="fr-FR" sz="6600" b="1" dirty="0" err="1"/>
               <a:t>Ry</a:t>
             </a:r>
             <a:r>
-              <a:rPr lang="fr-FR" b="1" dirty="0" smtClean="0"/>
-              <a:t> </a:t>
-            </a:r>
-            <a:r>
-              <a:rPr lang="fr-FR" b="1" dirty="0" err="1" smtClean="0"/>
+              <a:rPr lang="fr-FR" sz="6600" b="1" dirty="0"/>
+              <a:t> </a:t>
+            </a:r>
+            <a:r>
+              <a:rPr lang="fr-FR" sz="6600" b="1" dirty="0" err="1"/>
               <a:t>Jesosy</a:t>
             </a:r>
             <a:r>
-              <a:rPr lang="fr-FR" b="1" dirty="0" smtClean="0"/>
-              <a:t> </a:t>
-            </a:r>
-            <a:r>
-              <a:rPr lang="fr-FR" b="1" dirty="0" err="1" smtClean="0"/>
+              <a:rPr lang="fr-FR" sz="6600" b="1" dirty="0"/>
+              <a:t> </a:t>
+            </a:r>
+            <a:r>
+              <a:rPr lang="fr-FR" sz="6600" b="1" dirty="0" err="1"/>
               <a:t>Tomponay</a:t>
             </a:r>
             <a:r>
-              <a:rPr lang="fr-FR" b="1" dirty="0" smtClean="0"/>
+              <a:rPr lang="fr-FR" sz="6600" b="1" dirty="0"/>
               <a:t> !</a:t>
             </a:r>
             <a:br>
-              <a:rPr lang="fr-FR" b="1" dirty="0" smtClean="0"/>
+              <a:rPr lang="fr-FR" sz="6600" b="1" dirty="0"/>
             </a:br>
             <a:r>
-              <a:rPr lang="fr-FR" b="1" dirty="0" smtClean="0"/>
+              <a:rPr lang="fr-FR" sz="6600" b="1" dirty="0"/>
               <a:t>   </a:t>
             </a:r>
             <a:r>
-              <a:rPr lang="fr-FR" b="1" dirty="0" err="1" smtClean="0"/>
+              <a:rPr lang="fr-FR" sz="6600" b="1" dirty="0" err="1"/>
               <a:t>Ambarao</a:t>
             </a:r>
             <a:r>
-              <a:rPr lang="fr-FR" b="1" dirty="0" smtClean="0"/>
-              <a:t> </a:t>
-            </a:r>
-            <a:r>
-              <a:rPr lang="fr-FR" b="1" dirty="0" err="1" smtClean="0"/>
+              <a:rPr lang="fr-FR" sz="6600" b="1" dirty="0"/>
+              <a:t> </a:t>
+            </a:r>
+            <a:r>
+              <a:rPr lang="fr-FR" sz="6600" b="1" dirty="0" err="1"/>
               <a:t>ny</a:t>
             </a:r>
             <a:r>
-              <a:rPr lang="fr-FR" b="1" dirty="0" smtClean="0"/>
-              <a:t> </a:t>
-            </a:r>
-            <a:r>
-              <a:rPr lang="fr-FR" b="1" dirty="0" err="1" smtClean="0"/>
+              <a:rPr lang="fr-FR" sz="6600" b="1" dirty="0"/>
+              <a:t> </a:t>
+            </a:r>
+            <a:r>
+              <a:rPr lang="fr-FR" sz="6600" b="1" dirty="0" err="1"/>
               <a:t>famonjena</a:t>
             </a:r>
-            <a:r>
-              <a:rPr lang="fr-FR" b="1" dirty="0" smtClean="0"/>
-              <a:t/>
-            </a:r>
             <a:br>
-              <a:rPr lang="fr-FR" b="1" dirty="0" smtClean="0"/>
+              <a:rPr lang="fr-FR" sz="6600" b="1" dirty="0"/>
             </a:br>
             <a:r>
-              <a:rPr lang="fr-FR" b="1" dirty="0" smtClean="0"/>
+              <a:rPr lang="fr-FR" sz="6600" b="1" dirty="0"/>
               <a:t>    </a:t>
             </a:r>
             <a:r>
-              <a:rPr lang="fr-FR" b="1" dirty="0" err="1" smtClean="0"/>
+              <a:rPr lang="fr-FR" sz="6600" b="1" dirty="0" err="1"/>
               <a:t>Ilay</a:t>
             </a:r>
             <a:r>
-              <a:rPr lang="fr-FR" b="1" dirty="0" smtClean="0"/>
-              <a:t> </a:t>
-            </a:r>
-            <a:r>
-              <a:rPr lang="fr-FR" b="1" dirty="0" err="1" smtClean="0"/>
+              <a:rPr lang="fr-FR" sz="6600" b="1" dirty="0"/>
+              <a:t> </a:t>
+            </a:r>
+            <a:r>
+              <a:rPr lang="fr-FR" sz="6600" b="1" dirty="0" err="1"/>
               <a:t>nataonao</a:t>
             </a:r>
             <a:r>
-              <a:rPr lang="fr-FR" b="1" dirty="0" smtClean="0"/>
-              <a:t> </a:t>
-            </a:r>
-            <a:r>
-              <a:rPr lang="fr-FR" b="1" dirty="0" err="1" smtClean="0"/>
+              <a:rPr lang="fr-FR" sz="6600" b="1" dirty="0"/>
+              <a:t> </a:t>
+            </a:r>
+            <a:r>
+              <a:rPr lang="fr-FR" sz="6600" b="1" dirty="0" err="1"/>
               <a:t>fahizay</a:t>
             </a:r>
             <a:r>
-              <a:rPr lang="fr-FR" b="1" dirty="0" smtClean="0"/>
+              <a:rPr lang="fr-FR" sz="6600" b="1" dirty="0"/>
               <a:t> ;</a:t>
             </a:r>
-            <a:br>
-              <a:rPr lang="fr-FR" b="1" dirty="0" smtClean="0"/>
-            </a:br>
-            <a:r>
-              <a:rPr lang="fr-FR" b="1" dirty="0" smtClean="0"/>
-              <a:t>   </a:t>
-            </a:r>
-            <a:r>
-              <a:rPr lang="fr-FR" b="1" dirty="0" err="1" smtClean="0"/>
-              <a:t>Asehoinao</a:t>
-            </a:r>
-            <a:r>
-              <a:rPr lang="fr-FR" b="1" dirty="0" smtClean="0"/>
-              <a:t> </a:t>
-            </a:r>
-            <a:r>
-              <a:rPr lang="fr-FR" b="1" dirty="0" err="1" smtClean="0"/>
-              <a:t>ny</a:t>
-            </a:r>
-            <a:r>
-              <a:rPr lang="fr-FR" b="1" dirty="0" smtClean="0"/>
-              <a:t> </a:t>
-            </a:r>
-            <a:r>
-              <a:rPr lang="fr-FR" b="1" dirty="0" err="1" smtClean="0"/>
-              <a:t>hery</a:t>
-            </a:r>
-            <a:r>
-              <a:rPr lang="fr-FR" b="1" dirty="0" smtClean="0"/>
-              <a:t/>
-            </a:r>
-            <a:br>
-              <a:rPr lang="fr-FR" b="1" dirty="0" smtClean="0"/>
-            </a:br>
-            <a:r>
-              <a:rPr lang="fr-FR" b="1" dirty="0" smtClean="0"/>
-              <a:t>    </a:t>
-            </a:r>
-            <a:r>
-              <a:rPr lang="fr-FR" b="1" dirty="0" err="1" smtClean="0"/>
-              <a:t>Namonjena</a:t>
-            </a:r>
-            <a:r>
-              <a:rPr lang="fr-FR" b="1" dirty="0" smtClean="0"/>
-              <a:t> </a:t>
-            </a:r>
-            <a:r>
-              <a:rPr lang="fr-FR" b="1" dirty="0" err="1" smtClean="0"/>
-              <a:t>marobe</a:t>
-            </a:r>
-            <a:r>
-              <a:rPr lang="fr-FR" b="1" dirty="0" smtClean="0"/>
-              <a:t> ;</a:t>
-            </a:r>
-            <a:br>
-              <a:rPr lang="fr-FR" b="1" dirty="0" smtClean="0"/>
-            </a:br>
-            <a:r>
-              <a:rPr lang="fr-FR" b="1" dirty="0" smtClean="0"/>
-              <a:t>   :,: </a:t>
-            </a:r>
-            <a:r>
-              <a:rPr lang="fr-FR" b="1" dirty="0" err="1" smtClean="0"/>
-              <a:t>Ry</a:t>
-            </a:r>
-            <a:r>
-              <a:rPr lang="fr-FR" b="1" dirty="0" smtClean="0"/>
-              <a:t> </a:t>
-            </a:r>
-            <a:r>
-              <a:rPr lang="fr-FR" b="1" dirty="0" err="1" smtClean="0"/>
-              <a:t>Mpamonjy</a:t>
-            </a:r>
-            <a:r>
-              <a:rPr lang="fr-FR" b="1" dirty="0" smtClean="0"/>
-              <a:t> </a:t>
-            </a:r>
-            <a:r>
-              <a:rPr lang="fr-FR" b="1" dirty="0" err="1" smtClean="0"/>
-              <a:t>olom</a:t>
-            </a:r>
-            <a:r>
-              <a:rPr lang="fr-FR" b="1" dirty="0" smtClean="0"/>
-              <a:t>-</a:t>
-            </a:r>
-            <a:r>
-              <a:rPr lang="fr-FR" b="1" dirty="0" err="1" smtClean="0"/>
-              <a:t>bery</a:t>
-            </a:r>
-            <a:r>
-              <a:rPr lang="fr-FR" b="1" dirty="0" smtClean="0"/>
-              <a:t> !</a:t>
-            </a:r>
-            <a:br>
-              <a:rPr lang="fr-FR" b="1" dirty="0" smtClean="0"/>
-            </a:br>
-            <a:r>
-              <a:rPr lang="fr-FR" b="1" dirty="0" smtClean="0"/>
-              <a:t>     </a:t>
-            </a:r>
-            <a:r>
-              <a:rPr lang="fr-FR" b="1" dirty="0" err="1" smtClean="0"/>
-              <a:t>Mamonje</a:t>
-            </a:r>
-            <a:r>
-              <a:rPr lang="fr-FR" b="1" dirty="0" smtClean="0"/>
-              <a:t> </a:t>
-            </a:r>
-            <a:r>
-              <a:rPr lang="fr-FR" b="1" dirty="0" err="1" smtClean="0"/>
-              <a:t>indray</a:t>
-            </a:r>
-            <a:r>
-              <a:rPr lang="fr-FR" b="1" dirty="0" smtClean="0"/>
-              <a:t> </a:t>
-            </a:r>
-            <a:r>
-              <a:rPr lang="fr-FR" b="1" dirty="0" err="1" smtClean="0"/>
-              <a:t>anie</a:t>
-            </a:r>
-            <a:r>
-              <a:rPr lang="fr-FR" b="1" dirty="0" smtClean="0"/>
-              <a:t> :,:</a:t>
-            </a:r>
-            <a:endParaRPr lang="fr-FR" b="1" dirty="0"/>
           </a:p>
         </p:txBody>
       </p:sp>
@@ -3421,292 +3608,132 @@
       </p:grpSpPr>
       <p:sp>
         <p:nvSpPr>
-          <p:cNvPr id="2" name="Titre 1"/>
-          <p:cNvSpPr>
-            <a:spLocks noGrp="1"/>
-          </p:cNvSpPr>
-          <p:nvPr>
-            <p:ph type="ctrTitle"/>
-          </p:nvPr>
+          <p:cNvPr id="5" name="ZoneTexte 4">
+            <a:extLst>
+              <a:ext uri="{FF2B5EF4-FFF2-40B4-BE49-F238E27FC236}">
+                <a16:creationId xmlns:a16="http://schemas.microsoft.com/office/drawing/2014/main" id="{A6248BF7-B58C-EC3E-2A87-7F41BCF347F6}"/>
+              </a:ext>
+            </a:extLst>
+          </p:cNvPr>
+          <p:cNvSpPr txBox="1"/>
+          <p:nvPr/>
         </p:nvSpPr>
         <p:spPr>
           <a:xfrm>
             <a:off x="0" y="0"/>
-            <a:ext cx="9144000" cy="5143499"/>
+            <a:ext cx="9144000" cy="5170646"/>
           </a:xfrm>
+          <a:prstGeom prst="rect">
+            <a:avLst/>
+          </a:prstGeom>
+          <a:noFill/>
         </p:spPr>
         <p:txBody>
-          <a:bodyPr>
-            <a:noAutofit/>
+          <a:bodyPr wrap="square">
+            <a:spAutoFit/>
           </a:bodyPr>
           <a:lstStyle/>
           <a:p>
-            <a:r>
-              <a:rPr lang="fr-FR" b="1" dirty="0" smtClean="0"/>
-              <a:t>2. </a:t>
-            </a:r>
-            <a:r>
-              <a:rPr lang="fr-FR" b="1" dirty="0" err="1" smtClean="0"/>
-              <a:t>Mba</a:t>
-            </a:r>
-            <a:r>
-              <a:rPr lang="fr-FR" b="1" dirty="0" smtClean="0"/>
-              <a:t> </a:t>
-            </a:r>
-            <a:r>
-              <a:rPr lang="fr-FR" b="1" dirty="0" err="1" smtClean="0"/>
-              <a:t>heveronao</a:t>
-            </a:r>
-            <a:r>
-              <a:rPr lang="fr-FR" b="1" dirty="0" smtClean="0"/>
-              <a:t> </a:t>
-            </a:r>
-            <a:r>
-              <a:rPr lang="fr-FR" b="1" dirty="0" err="1" smtClean="0"/>
-              <a:t>ry</a:t>
-            </a:r>
-            <a:r>
-              <a:rPr lang="fr-FR" b="1" dirty="0" smtClean="0"/>
-              <a:t> </a:t>
-            </a:r>
-            <a:r>
-              <a:rPr lang="fr-FR" b="1" dirty="0" err="1" smtClean="0"/>
-              <a:t>Nosy</a:t>
-            </a:r>
-            <a:r>
-              <a:rPr lang="fr-FR" b="1" dirty="0" smtClean="0"/>
-              <a:t/>
+            <a:pPr algn="ctr"/>
+            <a:r>
+              <a:rPr lang="fr-FR" sz="6600" b="1" dirty="0" err="1"/>
+              <a:t>Asehoinao</a:t>
+            </a:r>
+            <a:r>
+              <a:rPr lang="fr-FR" sz="6600" b="1" dirty="0"/>
+              <a:t> </a:t>
+            </a:r>
+            <a:r>
+              <a:rPr lang="fr-FR" sz="6600" b="1" dirty="0" err="1"/>
+              <a:t>ny</a:t>
+            </a:r>
+            <a:r>
+              <a:rPr lang="fr-FR" sz="6600" b="1" dirty="0"/>
+              <a:t> </a:t>
+            </a:r>
+            <a:r>
+              <a:rPr lang="fr-FR" sz="6600" b="1" dirty="0" err="1"/>
+              <a:t>hery</a:t>
             </a:r>
             <a:br>
-              <a:rPr lang="fr-FR" b="1" dirty="0" smtClean="0"/>
+              <a:rPr lang="fr-FR" sz="6600" b="1" dirty="0"/>
             </a:br>
             <a:r>
-              <a:rPr lang="fr-FR" b="1" dirty="0" smtClean="0"/>
-              <a:t>      </a:t>
-            </a:r>
-            <a:r>
-              <a:rPr lang="fr-FR" b="1" dirty="0" err="1" smtClean="0"/>
-              <a:t>Itoeranay</a:t>
-            </a:r>
-            <a:r>
-              <a:rPr lang="fr-FR" b="1" dirty="0" smtClean="0"/>
-              <a:t> </a:t>
-            </a:r>
-            <a:r>
-              <a:rPr lang="fr-FR" b="1" dirty="0" err="1" smtClean="0"/>
-              <a:t>izao</a:t>
-            </a:r>
-            <a:r>
-              <a:rPr lang="fr-FR" b="1" dirty="0" smtClean="0"/>
+              <a:rPr lang="fr-FR" sz="6600" b="1" dirty="0" err="1"/>
+              <a:t>Namonjena</a:t>
+            </a:r>
+            <a:r>
+              <a:rPr lang="fr-FR" sz="6600" b="1" dirty="0"/>
+              <a:t> </a:t>
+            </a:r>
+            <a:r>
+              <a:rPr lang="fr-FR" sz="6600" b="1" dirty="0" err="1"/>
+              <a:t>marobe</a:t>
+            </a:r>
+            <a:r>
+              <a:rPr lang="fr-FR" sz="6600" b="1" dirty="0"/>
               <a:t> ;</a:t>
             </a:r>
             <a:br>
-              <a:rPr lang="fr-FR" b="1" dirty="0" smtClean="0"/>
+              <a:rPr lang="fr-FR" sz="6600" b="1" dirty="0"/>
             </a:br>
             <a:r>
-              <a:rPr lang="fr-FR" b="1" dirty="0" smtClean="0"/>
-              <a:t>   </a:t>
-            </a:r>
-            <a:r>
-              <a:rPr lang="fr-FR" b="1" dirty="0" err="1" smtClean="0"/>
-              <a:t>Iantraonao</a:t>
-            </a:r>
-            <a:r>
-              <a:rPr lang="fr-FR" b="1" dirty="0" smtClean="0"/>
-              <a:t>, </a:t>
-            </a:r>
-            <a:r>
-              <a:rPr lang="fr-FR" b="1" dirty="0" err="1" smtClean="0"/>
-              <a:t>ry</a:t>
-            </a:r>
-            <a:r>
-              <a:rPr lang="fr-FR" b="1" dirty="0" smtClean="0"/>
-              <a:t> </a:t>
-            </a:r>
-            <a:r>
-              <a:rPr lang="fr-FR" b="1" dirty="0" err="1" smtClean="0"/>
-              <a:t>Jesosy</a:t>
-            </a:r>
-            <a:r>
-              <a:rPr lang="fr-FR" b="1" dirty="0" smtClean="0"/>
-              <a:t>,</a:t>
+              <a:rPr lang="fr-FR" sz="6600" b="1" dirty="0"/>
+              <a:t>:,: Ry </a:t>
+            </a:r>
+            <a:r>
+              <a:rPr lang="fr-FR" sz="6600" b="1" dirty="0" err="1"/>
+              <a:t>Mpamonjy</a:t>
+            </a:r>
+            <a:r>
+              <a:rPr lang="fr-FR" sz="6600" b="1" dirty="0"/>
+              <a:t> </a:t>
+            </a:r>
+            <a:r>
+              <a:rPr lang="fr-FR" sz="6600" b="1" dirty="0" err="1"/>
+              <a:t>olom-bery</a:t>
+            </a:r>
+            <a:r>
+              <a:rPr lang="fr-FR" sz="6600" b="1" dirty="0"/>
+              <a:t> !</a:t>
             </a:r>
             <a:br>
-              <a:rPr lang="fr-FR" b="1" dirty="0" smtClean="0"/>
+              <a:rPr lang="fr-FR" sz="6600" b="1" dirty="0"/>
             </a:br>
             <a:r>
-              <a:rPr lang="fr-FR" b="1" dirty="0" smtClean="0"/>
-              <a:t>      </a:t>
-            </a:r>
-            <a:r>
-              <a:rPr lang="fr-FR" b="1" dirty="0" err="1" smtClean="0"/>
-              <a:t>Ny</a:t>
-            </a:r>
-            <a:r>
-              <a:rPr lang="fr-FR" b="1" dirty="0" smtClean="0"/>
-              <a:t> </a:t>
-            </a:r>
-            <a:r>
-              <a:rPr lang="fr-FR" b="1" dirty="0" err="1" smtClean="0"/>
-              <a:t>tsy</a:t>
-            </a:r>
-            <a:r>
-              <a:rPr lang="fr-FR" b="1" dirty="0" smtClean="0"/>
-              <a:t> </a:t>
-            </a:r>
-            <a:r>
-              <a:rPr lang="fr-FR" b="1" dirty="0" err="1" smtClean="0"/>
-              <a:t>mahalala</a:t>
-            </a:r>
-            <a:r>
-              <a:rPr lang="fr-FR" b="1" dirty="0" smtClean="0"/>
-              <a:t>  </a:t>
-            </a:r>
-            <a:r>
-              <a:rPr lang="fr-FR" b="1" dirty="0" err="1" smtClean="0"/>
-              <a:t>Anao</a:t>
-            </a:r>
-            <a:r>
-              <a:rPr lang="fr-FR" b="1" dirty="0" smtClean="0"/>
-              <a:t> ;</a:t>
-            </a:r>
-            <a:br>
-              <a:rPr lang="fr-FR" b="1" dirty="0" smtClean="0"/>
-            </a:br>
-            <a:r>
-              <a:rPr lang="fr-FR" b="1" dirty="0" smtClean="0"/>
-              <a:t>   </a:t>
-            </a:r>
-            <a:r>
-              <a:rPr lang="fr-FR" b="1" dirty="0" err="1" smtClean="0"/>
-              <a:t>Iantrao</a:t>
-            </a:r>
-            <a:r>
-              <a:rPr lang="fr-FR" b="1" dirty="0" smtClean="0"/>
-              <a:t> </a:t>
-            </a:r>
-            <a:r>
-              <a:rPr lang="fr-FR" b="1" dirty="0" err="1" smtClean="0"/>
-              <a:t>ireo</a:t>
-            </a:r>
-            <a:r>
-              <a:rPr lang="fr-FR" b="1" dirty="0" smtClean="0"/>
-              <a:t> </a:t>
-            </a:r>
-            <a:r>
-              <a:rPr lang="fr-FR" b="1" dirty="0" err="1" smtClean="0"/>
-              <a:t>faritany</a:t>
-            </a:r>
-            <a:r>
-              <a:rPr lang="fr-FR" b="1" dirty="0" smtClean="0"/>
-              <a:t/>
-            </a:r>
-            <a:br>
-              <a:rPr lang="fr-FR" b="1" dirty="0" smtClean="0"/>
-            </a:br>
-            <a:r>
-              <a:rPr lang="fr-FR" b="1" dirty="0" smtClean="0"/>
-              <a:t>      </a:t>
-            </a:r>
-            <a:r>
-              <a:rPr lang="fr-FR" b="1" dirty="0" err="1" smtClean="0"/>
-              <a:t>Anjakan'ny</a:t>
-            </a:r>
-            <a:r>
-              <a:rPr lang="fr-FR" b="1" dirty="0" smtClean="0"/>
-              <a:t> </a:t>
-            </a:r>
-            <a:r>
-              <a:rPr lang="fr-FR" b="1" dirty="0" err="1" smtClean="0"/>
-              <a:t>aizim</a:t>
-            </a:r>
-            <a:r>
-              <a:rPr lang="fr-FR" b="1" dirty="0" smtClean="0"/>
-              <a:t>-</a:t>
-            </a:r>
-            <a:r>
-              <a:rPr lang="fr-FR" b="1" dirty="0" err="1" smtClean="0"/>
-              <a:t>be</a:t>
-            </a:r>
-            <a:r>
-              <a:rPr lang="fr-FR" b="1" dirty="0" smtClean="0"/>
-              <a:t>,</a:t>
-            </a:r>
-            <a:br>
-              <a:rPr lang="fr-FR" b="1" dirty="0" smtClean="0"/>
-            </a:br>
-            <a:r>
-              <a:rPr lang="fr-FR" b="1" dirty="0" smtClean="0"/>
-              <a:t>   :,: </a:t>
-            </a:r>
-            <a:r>
-              <a:rPr lang="fr-FR" b="1" dirty="0" err="1" smtClean="0"/>
-              <a:t>Mba</a:t>
-            </a:r>
-            <a:r>
-              <a:rPr lang="fr-FR" b="1" dirty="0" smtClean="0"/>
-              <a:t> ho </a:t>
-            </a:r>
-            <a:r>
-              <a:rPr lang="fr-FR" b="1" dirty="0" err="1" smtClean="0"/>
-              <a:t>tonga</a:t>
-            </a:r>
-            <a:r>
-              <a:rPr lang="fr-FR" b="1" dirty="0" smtClean="0"/>
-              <a:t> </a:t>
-            </a:r>
-            <a:r>
-              <a:rPr lang="fr-FR" b="1" dirty="0" err="1" smtClean="0"/>
-              <a:t>faingana</a:t>
-            </a:r>
-            <a:r>
-              <a:rPr lang="fr-FR" b="1" dirty="0" smtClean="0"/>
-              <a:t> </a:t>
-            </a:r>
-            <a:r>
-              <a:rPr lang="fr-FR" b="1" dirty="0" err="1" smtClean="0"/>
-              <a:t>any</a:t>
-            </a:r>
-            <a:r>
-              <a:rPr lang="fr-FR" b="1" dirty="0" smtClean="0"/>
-              <a:t/>
-            </a:r>
-            <a:br>
-              <a:rPr lang="fr-FR" b="1" dirty="0" smtClean="0"/>
-            </a:br>
-            <a:r>
-              <a:rPr lang="fr-FR" b="1" dirty="0" smtClean="0"/>
-              <a:t>         </a:t>
-            </a:r>
-            <a:r>
-              <a:rPr lang="fr-FR" b="1" dirty="0" err="1" smtClean="0"/>
-              <a:t>Ny</a:t>
-            </a:r>
-            <a:r>
-              <a:rPr lang="fr-FR" b="1" dirty="0" smtClean="0"/>
-              <a:t> </a:t>
-            </a:r>
-            <a:r>
-              <a:rPr lang="fr-FR" b="1" dirty="0" err="1" smtClean="0"/>
-              <a:t>mazava</a:t>
-            </a:r>
-            <a:r>
-              <a:rPr lang="fr-FR" b="1" dirty="0" smtClean="0"/>
-              <a:t> </a:t>
-            </a:r>
-            <a:r>
-              <a:rPr lang="fr-FR" b="1" dirty="0" err="1" smtClean="0"/>
-              <a:t>lehibe</a:t>
-            </a:r>
-            <a:r>
-              <a:rPr lang="fr-FR" b="1" dirty="0" smtClean="0"/>
+              <a:rPr lang="fr-FR" sz="6600" b="1" dirty="0" err="1"/>
+              <a:t>Mamonje</a:t>
+            </a:r>
+            <a:r>
+              <a:rPr lang="fr-FR" sz="6600" b="1" dirty="0"/>
+              <a:t> </a:t>
+            </a:r>
+            <a:r>
+              <a:rPr lang="fr-FR" sz="6600" b="1" dirty="0" err="1"/>
+              <a:t>indray</a:t>
+            </a:r>
+            <a:r>
+              <a:rPr lang="fr-FR" sz="6600" b="1" dirty="0"/>
+              <a:t> </a:t>
+            </a:r>
+            <a:r>
+              <a:rPr lang="fr-FR" sz="6600" b="1" dirty="0" err="1"/>
+              <a:t>anie</a:t>
+            </a:r>
+            <a:r>
+              <a:rPr lang="fr-FR" sz="6600" b="1" dirty="0"/>
               <a:t> :,:</a:t>
             </a:r>
-            <a:endParaRPr lang="fr-FR" b="1" dirty="0"/>
+            <a:endParaRPr lang="fr-FR" sz="6600" dirty="0"/>
           </a:p>
         </p:txBody>
       </p:sp>
     </p:spTree>
+    <p:extLst>
+      <p:ext uri="{BB962C8B-B14F-4D97-AF65-F5344CB8AC3E}">
+        <p14:creationId xmlns:p14="http://schemas.microsoft.com/office/powerpoint/2010/main" val="1811580882"/>
+      </p:ext>
+    </p:extLst>
   </p:cSld>
   <p:clrMapOvr>
     <a:masterClrMapping/>
@@ -3754,263 +3781,114 @@
           <a:lstStyle/>
           <a:p>
             <a:r>
-              <a:rPr lang="fr-FR" b="1" dirty="0" smtClean="0"/>
-              <a:t>3. Be </a:t>
-            </a:r>
-            <a:r>
-              <a:rPr lang="fr-FR" b="1" dirty="0" err="1" smtClean="0"/>
-              <a:t>ny</a:t>
-            </a:r>
-            <a:r>
-              <a:rPr lang="fr-FR" b="1" dirty="0" smtClean="0"/>
-              <a:t> </a:t>
-            </a:r>
-            <a:r>
-              <a:rPr lang="fr-FR" b="1" dirty="0" err="1" smtClean="0"/>
-              <a:t>tany</a:t>
-            </a:r>
-            <a:r>
-              <a:rPr lang="fr-FR" b="1" dirty="0" smtClean="0"/>
-              <a:t> </a:t>
-            </a:r>
-            <a:r>
-              <a:rPr lang="fr-FR" b="1" dirty="0" err="1" smtClean="0"/>
+              <a:rPr lang="fr-FR" sz="6600" b="1" dirty="0"/>
+              <a:t>2. </a:t>
+            </a:r>
+            <a:r>
+              <a:rPr lang="fr-FR" sz="6600" b="1" dirty="0" err="1"/>
+              <a:t>Mba</a:t>
+            </a:r>
+            <a:r>
+              <a:rPr lang="fr-FR" sz="6600" b="1" dirty="0"/>
+              <a:t> </a:t>
+            </a:r>
+            <a:r>
+              <a:rPr lang="fr-FR" sz="6600" b="1" dirty="0" err="1"/>
+              <a:t>heveronao</a:t>
+            </a:r>
+            <a:r>
+              <a:rPr lang="fr-FR" sz="6600" b="1" dirty="0"/>
+              <a:t> </a:t>
+            </a:r>
+            <a:r>
+              <a:rPr lang="fr-FR" sz="6600" b="1" dirty="0" err="1"/>
+              <a:t>ry</a:t>
+            </a:r>
+            <a:r>
+              <a:rPr lang="fr-FR" sz="6600" b="1" dirty="0"/>
+              <a:t> </a:t>
+            </a:r>
+            <a:r>
+              <a:rPr lang="fr-FR" sz="6600" b="1" dirty="0" err="1"/>
+              <a:t>Nosy</a:t>
+            </a:r>
+            <a:br>
+              <a:rPr lang="fr-FR" sz="6600" b="1" dirty="0"/>
+            </a:br>
+            <a:r>
+              <a:rPr lang="fr-FR" sz="6600" b="1" dirty="0" err="1"/>
+              <a:t>Itoeranay</a:t>
+            </a:r>
+            <a:r>
+              <a:rPr lang="fr-FR" sz="6600" b="1" dirty="0"/>
+              <a:t> </a:t>
+            </a:r>
+            <a:r>
+              <a:rPr lang="fr-FR" sz="6600" b="1" dirty="0" err="1"/>
+              <a:t>izao</a:t>
+            </a:r>
+            <a:r>
+              <a:rPr lang="fr-FR" sz="6600" b="1" dirty="0"/>
+              <a:t> ;</a:t>
+            </a:r>
+            <a:br>
+              <a:rPr lang="fr-FR" sz="6600" b="1" dirty="0"/>
+            </a:br>
+            <a:r>
+              <a:rPr lang="fr-FR" sz="6600" b="1" dirty="0" err="1"/>
+              <a:t>Iantraonao</a:t>
+            </a:r>
+            <a:r>
+              <a:rPr lang="fr-FR" sz="6600" b="1" dirty="0"/>
+              <a:t>, </a:t>
+            </a:r>
+            <a:r>
+              <a:rPr lang="fr-FR" sz="6600" b="1" dirty="0" err="1"/>
+              <a:t>ry</a:t>
+            </a:r>
+            <a:r>
+              <a:rPr lang="fr-FR" sz="6600" b="1" dirty="0"/>
+              <a:t> </a:t>
+            </a:r>
+            <a:r>
+              <a:rPr lang="fr-FR" sz="6600" b="1" dirty="0" err="1"/>
+              <a:t>Jesosy</a:t>
+            </a:r>
+            <a:r>
+              <a:rPr lang="fr-FR" sz="6600" b="1" dirty="0"/>
+              <a:t>,</a:t>
+            </a:r>
+            <a:br>
+              <a:rPr lang="fr-FR" sz="6600" b="1" dirty="0"/>
+            </a:br>
+            <a:r>
+              <a:rPr lang="fr-FR" sz="6600" b="1" dirty="0"/>
+              <a:t>Ny </a:t>
+            </a:r>
+            <a:r>
+              <a:rPr lang="fr-FR" sz="6600" b="1" dirty="0" err="1"/>
               <a:t>tsy</a:t>
             </a:r>
             <a:r>
-              <a:rPr lang="fr-FR" b="1" dirty="0" smtClean="0"/>
-              <a:t> </a:t>
-            </a:r>
-            <a:r>
-              <a:rPr lang="fr-FR" b="1" dirty="0" err="1" smtClean="0"/>
-              <a:t>voasa</a:t>
-            </a:r>
-            <a:r>
-              <a:rPr lang="fr-FR" b="1" dirty="0" smtClean="0"/>
-              <a:t>,</a:t>
-            </a:r>
-            <a:br>
-              <a:rPr lang="fr-FR" b="1" dirty="0" smtClean="0"/>
-            </a:br>
-            <a:r>
-              <a:rPr lang="fr-FR" b="1" dirty="0" smtClean="0"/>
-              <a:t>    </a:t>
-            </a:r>
-            <a:r>
-              <a:rPr lang="fr-FR" b="1" dirty="0" err="1" smtClean="0"/>
-              <a:t>Vitsy</a:t>
-            </a:r>
-            <a:r>
-              <a:rPr lang="fr-FR" b="1" dirty="0" smtClean="0"/>
-              <a:t> </a:t>
-            </a:r>
-            <a:r>
-              <a:rPr lang="fr-FR" b="1" dirty="0" err="1" smtClean="0"/>
-              <a:t>ny</a:t>
-            </a:r>
-            <a:r>
-              <a:rPr lang="fr-FR" b="1" dirty="0" smtClean="0"/>
-              <a:t> </a:t>
-            </a:r>
-            <a:r>
-              <a:rPr lang="fr-FR" b="1" dirty="0" err="1" smtClean="0"/>
-              <a:t>mpanomponao</a:t>
-            </a:r>
-            <a:r>
-              <a:rPr lang="fr-FR" b="1" dirty="0" smtClean="0"/>
+              <a:rPr lang="fr-FR" sz="6600" b="1" dirty="0"/>
+              <a:t> </a:t>
+            </a:r>
+            <a:r>
+              <a:rPr lang="fr-FR" sz="6600" b="1" dirty="0" err="1"/>
+              <a:t>mahalala</a:t>
+            </a:r>
+            <a:r>
+              <a:rPr lang="fr-FR" sz="6600" b="1" dirty="0"/>
+              <a:t>  </a:t>
+            </a:r>
+            <a:r>
+              <a:rPr lang="fr-FR" sz="6600" b="1" dirty="0" err="1"/>
+              <a:t>Anao</a:t>
+            </a:r>
+            <a:r>
+              <a:rPr lang="fr-FR" sz="6600" b="1" dirty="0"/>
               <a:t> ;</a:t>
             </a:r>
-            <a:br>
-              <a:rPr lang="fr-FR" b="1" dirty="0" smtClean="0"/>
-            </a:br>
-            <a:r>
-              <a:rPr lang="fr-FR" b="1" dirty="0" err="1" smtClean="0"/>
-              <a:t>Koa</a:t>
-            </a:r>
-            <a:r>
-              <a:rPr lang="fr-FR" b="1" dirty="0" smtClean="0"/>
-              <a:t> </a:t>
-            </a:r>
-            <a:r>
-              <a:rPr lang="fr-FR" b="1" dirty="0" err="1" smtClean="0"/>
-              <a:t>izahay</a:t>
-            </a:r>
-            <a:r>
-              <a:rPr lang="fr-FR" b="1" dirty="0" smtClean="0"/>
-              <a:t> </a:t>
-            </a:r>
-            <a:r>
-              <a:rPr lang="fr-FR" b="1" dirty="0" err="1" smtClean="0"/>
-              <a:t>mpiasa</a:t>
-            </a:r>
-            <a:r>
-              <a:rPr lang="fr-FR" b="1" dirty="0" smtClean="0"/>
-              <a:t/>
-            </a:r>
-            <a:br>
-              <a:rPr lang="fr-FR" b="1" dirty="0" smtClean="0"/>
-            </a:br>
-            <a:r>
-              <a:rPr lang="fr-FR" b="1" dirty="0" smtClean="0"/>
-              <a:t> </a:t>
-            </a:r>
-            <a:r>
-              <a:rPr lang="fr-FR" b="1" dirty="0" err="1" smtClean="0"/>
-              <a:t>Ao</a:t>
-            </a:r>
-            <a:r>
-              <a:rPr lang="fr-FR" b="1" dirty="0" smtClean="0"/>
-              <a:t> an-</a:t>
-            </a:r>
-            <a:r>
-              <a:rPr lang="fr-FR" b="1" dirty="0" err="1" smtClean="0"/>
-              <a:t>tanimbolinao</a:t>
-            </a:r>
-            <a:r>
-              <a:rPr lang="fr-FR" b="1" dirty="0"/>
-              <a:t/>
-            </a:r>
-            <a:br>
-              <a:rPr lang="fr-FR" b="1" dirty="0"/>
-            </a:br>
-            <a:r>
-              <a:rPr lang="fr-FR" b="1" dirty="0" smtClean="0"/>
-              <a:t> </a:t>
-            </a:r>
-            <a:r>
-              <a:rPr lang="fr-FR" b="1" dirty="0" err="1" smtClean="0"/>
-              <a:t>Mba</a:t>
-            </a:r>
-            <a:r>
-              <a:rPr lang="fr-FR" b="1" dirty="0" smtClean="0"/>
-              <a:t> </a:t>
-            </a:r>
-            <a:r>
-              <a:rPr lang="fr-FR" b="1" dirty="0" err="1" smtClean="0"/>
-              <a:t>omeo</a:t>
-            </a:r>
-            <a:r>
-              <a:rPr lang="fr-FR" b="1" dirty="0" smtClean="0"/>
-              <a:t> </a:t>
-            </a:r>
-            <a:r>
-              <a:rPr lang="fr-FR" b="1" dirty="0" err="1" smtClean="0"/>
-              <a:t>fo</a:t>
-            </a:r>
-            <a:r>
-              <a:rPr lang="fr-FR" b="1" dirty="0" smtClean="0"/>
-              <a:t> </a:t>
-            </a:r>
-            <a:r>
-              <a:rPr lang="fr-FR" b="1" dirty="0" err="1" smtClean="0"/>
-              <a:t>minia</a:t>
-            </a:r>
-            <a:r>
-              <a:rPr lang="fr-FR" b="1" dirty="0" smtClean="0"/>
-              <a:t/>
-            </a:r>
-            <a:br>
-              <a:rPr lang="fr-FR" b="1" dirty="0" smtClean="0"/>
-            </a:br>
-            <a:r>
-              <a:rPr lang="fr-FR" b="1" dirty="0" smtClean="0"/>
-              <a:t>  </a:t>
-            </a:r>
-            <a:r>
-              <a:rPr lang="fr-FR" b="1" dirty="0" err="1" smtClean="0"/>
-              <a:t>Hankato</a:t>
-            </a:r>
-            <a:r>
-              <a:rPr lang="fr-FR" b="1" dirty="0" smtClean="0"/>
-              <a:t> </a:t>
-            </a:r>
-            <a:r>
-              <a:rPr lang="fr-FR" b="1" dirty="0" err="1" smtClean="0"/>
-              <a:t>ny</a:t>
-            </a:r>
-            <a:r>
-              <a:rPr lang="fr-FR" b="1" dirty="0" smtClean="0"/>
-              <a:t> </a:t>
-            </a:r>
-            <a:r>
-              <a:rPr lang="fr-FR" b="1" dirty="0" err="1" smtClean="0"/>
-              <a:t>teninao</a:t>
-            </a:r>
-            <a:r>
-              <a:rPr lang="fr-FR" b="1" dirty="0" smtClean="0"/>
-              <a:t>,</a:t>
-            </a:r>
-            <a:br>
-              <a:rPr lang="fr-FR" b="1" dirty="0" smtClean="0"/>
-            </a:br>
-            <a:r>
-              <a:rPr lang="fr-FR" b="1" dirty="0" smtClean="0"/>
-              <a:t>   :,: Ka </a:t>
-            </a:r>
-            <a:r>
-              <a:rPr lang="fr-FR" b="1" dirty="0" err="1" smtClean="0"/>
-              <a:t>aoka</a:t>
-            </a:r>
-            <a:r>
-              <a:rPr lang="fr-FR" b="1" dirty="0" smtClean="0"/>
-              <a:t> </a:t>
-            </a:r>
-            <a:r>
-              <a:rPr lang="fr-FR" b="1" dirty="0" err="1" smtClean="0"/>
-              <a:t>mba</a:t>
-            </a:r>
-            <a:r>
-              <a:rPr lang="fr-FR" b="1" dirty="0" smtClean="0"/>
-              <a:t> </a:t>
-            </a:r>
-            <a:r>
-              <a:rPr lang="fr-FR" b="1" dirty="0" err="1" smtClean="0"/>
-              <a:t>hikely</a:t>
-            </a:r>
-            <a:r>
-              <a:rPr lang="fr-FR" b="1" dirty="0" smtClean="0"/>
-              <a:t> </a:t>
-            </a:r>
-            <a:r>
-              <a:rPr lang="fr-FR" b="1" dirty="0" err="1" smtClean="0"/>
-              <a:t>aina</a:t>
-            </a:r>
-            <a:r>
-              <a:rPr lang="fr-FR" b="1" dirty="0" smtClean="0"/>
-              <a:t/>
-            </a:r>
-            <a:br>
-              <a:rPr lang="fr-FR" b="1" dirty="0" smtClean="0"/>
-            </a:br>
-            <a:r>
-              <a:rPr lang="fr-FR" b="1" dirty="0" smtClean="0"/>
-              <a:t>          </a:t>
-            </a:r>
-            <a:r>
-              <a:rPr lang="fr-FR" b="1" dirty="0" err="1" smtClean="0"/>
-              <a:t>Izahay</a:t>
-            </a:r>
-            <a:r>
-              <a:rPr lang="fr-FR" b="1" dirty="0" smtClean="0"/>
-              <a:t> </a:t>
-            </a:r>
-            <a:r>
-              <a:rPr lang="fr-FR" b="1" dirty="0" err="1" smtClean="0"/>
-              <a:t>hiasa</a:t>
-            </a:r>
-            <a:r>
-              <a:rPr lang="fr-FR" b="1" dirty="0" smtClean="0"/>
-              <a:t> </a:t>
-            </a:r>
-            <a:r>
-              <a:rPr lang="fr-FR" b="1" dirty="0" err="1" smtClean="0"/>
-              <a:t>ao</a:t>
-            </a:r>
-            <a:r>
-              <a:rPr lang="fr-FR" b="1" dirty="0" smtClean="0"/>
-              <a:t> :,:</a:t>
-            </a:r>
-            <a:endParaRPr lang="fr-FR" b="1" dirty="0"/>
           </a:p>
         </p:txBody>
       </p:sp>
@@ -4041,292 +3919,132 @@
       </p:grpSpPr>
       <p:sp>
         <p:nvSpPr>
-          <p:cNvPr id="2" name="Titre 1"/>
-          <p:cNvSpPr>
-            <a:spLocks noGrp="1"/>
-          </p:cNvSpPr>
-          <p:nvPr>
-            <p:ph type="ctrTitle"/>
-          </p:nvPr>
+          <p:cNvPr id="5" name="ZoneTexte 4">
+            <a:extLst>
+              <a:ext uri="{FF2B5EF4-FFF2-40B4-BE49-F238E27FC236}">
+                <a16:creationId xmlns:a16="http://schemas.microsoft.com/office/drawing/2014/main" id="{EE5CFAAF-070B-0D78-55E4-E99869D40285}"/>
+              </a:ext>
+            </a:extLst>
+          </p:cNvPr>
+          <p:cNvSpPr txBox="1"/>
+          <p:nvPr/>
         </p:nvSpPr>
         <p:spPr>
           <a:xfrm>
-            <a:off x="0" y="0"/>
-            <a:ext cx="9144000" cy="5143499"/>
+            <a:off x="0" y="7398"/>
+            <a:ext cx="9144000" cy="5170646"/>
           </a:xfrm>
+          <a:prstGeom prst="rect">
+            <a:avLst/>
+          </a:prstGeom>
+          <a:noFill/>
         </p:spPr>
         <p:txBody>
-          <a:bodyPr>
-            <a:noAutofit/>
+          <a:bodyPr wrap="square">
+            <a:spAutoFit/>
           </a:bodyPr>
           <a:lstStyle/>
           <a:p>
-            <a:r>
-              <a:rPr lang="fr-FR" b="1" dirty="0" smtClean="0"/>
-              <a:t>4. </a:t>
-            </a:r>
-            <a:r>
-              <a:rPr lang="fr-FR" b="1" dirty="0" err="1" smtClean="0"/>
-              <a:t>Mankanesa</a:t>
-            </a:r>
-            <a:r>
-              <a:rPr lang="fr-FR" b="1" dirty="0" smtClean="0"/>
-              <a:t>, </a:t>
-            </a:r>
-            <a:r>
-              <a:rPr lang="fr-FR" b="1" dirty="0" err="1" smtClean="0"/>
-              <a:t>ry</a:t>
-            </a:r>
-            <a:r>
-              <a:rPr lang="fr-FR" b="1" dirty="0" smtClean="0"/>
-              <a:t> </a:t>
-            </a:r>
-            <a:r>
-              <a:rPr lang="fr-FR" b="1" dirty="0" err="1" smtClean="0"/>
-              <a:t>Mpitory</a:t>
-            </a:r>
-            <a:r>
-              <a:rPr lang="fr-FR" b="1" dirty="0" smtClean="0"/>
-              <a:t> !</a:t>
+            <a:pPr algn="ctr"/>
+            <a:r>
+              <a:rPr lang="fr-FR" sz="6600" b="1" dirty="0" err="1"/>
+              <a:t>Iantrao</a:t>
+            </a:r>
+            <a:r>
+              <a:rPr lang="fr-FR" sz="6600" b="1" dirty="0"/>
+              <a:t> </a:t>
+            </a:r>
+            <a:r>
+              <a:rPr lang="fr-FR" sz="6600" b="1" dirty="0" err="1"/>
+              <a:t>ireo</a:t>
+            </a:r>
+            <a:r>
+              <a:rPr lang="fr-FR" sz="6600" b="1" dirty="0"/>
+              <a:t> </a:t>
+            </a:r>
+            <a:r>
+              <a:rPr lang="fr-FR" sz="6600" b="1" dirty="0" err="1"/>
+              <a:t>faritany</a:t>
             </a:r>
             <a:br>
-              <a:rPr lang="fr-FR" b="1" dirty="0" smtClean="0"/>
+              <a:rPr lang="fr-FR" sz="6600" b="1" dirty="0"/>
             </a:br>
             <a:r>
-              <a:rPr lang="fr-FR" b="1" dirty="0" smtClean="0"/>
-              <a:t>      </a:t>
-            </a:r>
-            <a:r>
-              <a:rPr lang="fr-FR" b="1" dirty="0" err="1" smtClean="0"/>
-              <a:t>Ao</a:t>
-            </a:r>
-            <a:r>
-              <a:rPr lang="fr-FR" b="1" dirty="0" smtClean="0"/>
-              <a:t> an-</a:t>
-            </a:r>
-            <a:r>
-              <a:rPr lang="fr-FR" b="1" dirty="0" err="1" smtClean="0"/>
-              <a:t>tany</a:t>
-            </a:r>
-            <a:r>
-              <a:rPr lang="fr-FR" b="1" dirty="0" smtClean="0"/>
-              <a:t> </a:t>
-            </a:r>
-            <a:r>
-              <a:rPr lang="fr-FR" b="1" dirty="0" err="1" smtClean="0"/>
-              <a:t>lavitra</a:t>
-            </a:r>
-            <a:r>
-              <a:rPr lang="fr-FR" b="1" dirty="0" smtClean="0"/>
-              <a:t> </a:t>
-            </a:r>
-            <a:r>
-              <a:rPr lang="fr-FR" b="1" dirty="0" err="1" smtClean="0"/>
-              <a:t>ao</a:t>
-            </a:r>
-            <a:r>
-              <a:rPr lang="fr-FR" b="1" dirty="0" smtClean="0"/>
+              <a:rPr lang="fr-FR" sz="6600" b="1" dirty="0" err="1"/>
+              <a:t>Anjakan'ny</a:t>
+            </a:r>
+            <a:r>
+              <a:rPr lang="fr-FR" sz="6600" b="1" dirty="0"/>
+              <a:t> </a:t>
+            </a:r>
+            <a:r>
+              <a:rPr lang="fr-FR" sz="6600" b="1" dirty="0" err="1"/>
+              <a:t>aizim-be</a:t>
+            </a:r>
+            <a:r>
+              <a:rPr lang="fr-FR" sz="6600" b="1" dirty="0"/>
               <a:t>,</a:t>
             </a:r>
             <a:br>
-              <a:rPr lang="fr-FR" b="1" dirty="0" smtClean="0"/>
+              <a:rPr lang="fr-FR" sz="6600" b="1" dirty="0"/>
             </a:br>
             <a:r>
-              <a:rPr lang="fr-FR" b="1" dirty="0" smtClean="0"/>
-              <a:t>   Be </a:t>
-            </a:r>
-            <a:r>
-              <a:rPr lang="fr-FR" b="1" dirty="0" err="1" smtClean="0"/>
-              <a:t>tsy</a:t>
-            </a:r>
-            <a:r>
-              <a:rPr lang="fr-FR" b="1" dirty="0" smtClean="0"/>
-              <a:t> </a:t>
-            </a:r>
-            <a:r>
-              <a:rPr lang="fr-FR" b="1" dirty="0" err="1" smtClean="0"/>
-              <a:t>mahalala</a:t>
-            </a:r>
-            <a:r>
-              <a:rPr lang="fr-FR" b="1" dirty="0" smtClean="0"/>
-              <a:t>  </a:t>
-            </a:r>
-            <a:r>
-              <a:rPr lang="fr-FR" b="1" dirty="0" err="1" smtClean="0"/>
-              <a:t>akory</a:t>
-            </a:r>
-            <a:r>
-              <a:rPr lang="fr-FR" b="1" dirty="0" smtClean="0"/>
-              <a:t/>
+              <a:rPr lang="fr-FR" sz="6600" b="1" dirty="0"/>
+              <a:t>:,: </a:t>
+            </a:r>
+            <a:r>
+              <a:rPr lang="fr-FR" sz="6600" b="1" dirty="0" err="1"/>
+              <a:t>Mba</a:t>
+            </a:r>
+            <a:r>
+              <a:rPr lang="fr-FR" sz="6600" b="1" dirty="0"/>
+              <a:t> ho tonga </a:t>
+            </a:r>
+            <a:r>
+              <a:rPr lang="fr-FR" sz="6600" b="1" dirty="0" err="1"/>
+              <a:t>faingana</a:t>
+            </a:r>
+            <a:r>
+              <a:rPr lang="fr-FR" sz="6600" b="1" dirty="0"/>
+              <a:t> </a:t>
+            </a:r>
+            <a:r>
+              <a:rPr lang="fr-FR" sz="6600" b="1" dirty="0" err="1"/>
+              <a:t>any</a:t>
             </a:r>
             <a:br>
-              <a:rPr lang="fr-FR" b="1" dirty="0" smtClean="0"/>
+              <a:rPr lang="fr-FR" sz="6600" b="1" dirty="0"/>
             </a:br>
             <a:r>
-              <a:rPr lang="fr-FR" b="1" dirty="0" smtClean="0"/>
-              <a:t>      </a:t>
-            </a:r>
-            <a:r>
-              <a:rPr lang="fr-FR" b="1" dirty="0" err="1" smtClean="0"/>
-              <a:t>An'i</a:t>
-            </a:r>
-            <a:r>
-              <a:rPr lang="fr-FR" b="1" dirty="0" smtClean="0"/>
-              <a:t> </a:t>
-            </a:r>
-            <a:r>
-              <a:rPr lang="fr-FR" b="1" dirty="0" err="1" smtClean="0"/>
-              <a:t>Jeso</a:t>
-            </a:r>
-            <a:r>
-              <a:rPr lang="fr-FR" b="1" dirty="0" smtClean="0"/>
-              <a:t> </a:t>
-            </a:r>
-            <a:r>
-              <a:rPr lang="fr-FR" b="1" dirty="0" err="1" smtClean="0"/>
-              <a:t>Tomponao</a:t>
-            </a:r>
-            <a:r>
-              <a:rPr lang="fr-FR" b="1" dirty="0" smtClean="0"/>
-              <a:t>,</a:t>
-            </a:r>
-            <a:br>
-              <a:rPr lang="fr-FR" b="1" dirty="0" smtClean="0"/>
-            </a:br>
-            <a:r>
-              <a:rPr lang="fr-FR" b="1" dirty="0" smtClean="0"/>
-              <a:t>   He, </a:t>
-            </a:r>
-            <a:r>
-              <a:rPr lang="fr-FR" b="1" dirty="0" err="1" smtClean="0"/>
-              <a:t>ny</a:t>
-            </a:r>
-            <a:r>
-              <a:rPr lang="fr-FR" b="1" dirty="0" smtClean="0"/>
-              <a:t> </a:t>
-            </a:r>
-            <a:r>
-              <a:rPr lang="fr-FR" b="1" dirty="0" err="1" smtClean="0"/>
-              <a:t>fahantrany</a:t>
-            </a:r>
-            <a:r>
-              <a:rPr lang="fr-FR" b="1" dirty="0" smtClean="0"/>
-              <a:t>, </a:t>
-            </a:r>
-            <a:r>
-              <a:rPr lang="fr-FR" b="1" dirty="0" err="1" smtClean="0"/>
-              <a:t>indrisy</a:t>
-            </a:r>
-            <a:r>
-              <a:rPr lang="fr-FR" b="1" dirty="0" smtClean="0"/>
-              <a:t> !</a:t>
-            </a:r>
-            <a:br>
-              <a:rPr lang="fr-FR" b="1" dirty="0" smtClean="0"/>
-            </a:br>
-            <a:r>
-              <a:rPr lang="fr-FR" b="1" dirty="0" smtClean="0"/>
-              <a:t>     He, </a:t>
-            </a:r>
-            <a:r>
-              <a:rPr lang="fr-FR" b="1" dirty="0" err="1" smtClean="0"/>
-              <a:t>ny</a:t>
-            </a:r>
-            <a:r>
-              <a:rPr lang="fr-FR" b="1" dirty="0" smtClean="0"/>
-              <a:t> </a:t>
-            </a:r>
-            <a:r>
-              <a:rPr lang="fr-FR" b="1" dirty="0" err="1" smtClean="0"/>
-              <a:t>hadalan'ny</a:t>
-            </a:r>
-            <a:r>
-              <a:rPr lang="fr-FR" b="1" dirty="0" smtClean="0"/>
-              <a:t> </a:t>
-            </a:r>
-            <a:r>
-              <a:rPr lang="fr-FR" b="1" dirty="0" err="1" smtClean="0"/>
-              <a:t>ao</a:t>
-            </a:r>
-            <a:r>
-              <a:rPr lang="fr-FR" b="1" dirty="0" smtClean="0"/>
-              <a:t>,</a:t>
-            </a:r>
-            <a:br>
-              <a:rPr lang="fr-FR" b="1" dirty="0" smtClean="0"/>
-            </a:br>
-            <a:r>
-              <a:rPr lang="fr-FR" b="1" dirty="0" smtClean="0"/>
-              <a:t>   :,: Fa </a:t>
-            </a:r>
-            <a:r>
-              <a:rPr lang="fr-FR" b="1" dirty="0" err="1" smtClean="0"/>
-              <a:t>ny</a:t>
-            </a:r>
-            <a:r>
-              <a:rPr lang="fr-FR" b="1" dirty="0" smtClean="0"/>
-              <a:t> </a:t>
-            </a:r>
-            <a:r>
-              <a:rPr lang="fr-FR" b="1" dirty="0" err="1" smtClean="0"/>
-              <a:t>olona</a:t>
-            </a:r>
-            <a:r>
-              <a:rPr lang="fr-FR" b="1" dirty="0" smtClean="0"/>
-              <a:t> </a:t>
-            </a:r>
-            <a:r>
-              <a:rPr lang="fr-FR" b="1" dirty="0" err="1" smtClean="0"/>
-              <a:t>tsy</a:t>
-            </a:r>
-            <a:r>
-              <a:rPr lang="fr-FR" b="1" dirty="0" smtClean="0"/>
-              <a:t> </a:t>
-            </a:r>
-            <a:r>
-              <a:rPr lang="fr-FR" b="1" dirty="0" err="1" smtClean="0"/>
-              <a:t>misy</a:t>
-            </a:r>
-            <a:r>
-              <a:rPr lang="fr-FR" b="1" dirty="0" smtClean="0"/>
-              <a:t/>
-            </a:r>
-            <a:br>
-              <a:rPr lang="fr-FR" b="1" dirty="0" smtClean="0"/>
-            </a:br>
-            <a:r>
-              <a:rPr lang="fr-FR" b="1" dirty="0" smtClean="0"/>
-              <a:t>      </a:t>
-            </a:r>
-            <a:r>
-              <a:rPr lang="fr-FR" b="1" dirty="0" err="1" smtClean="0"/>
-              <a:t>Hampianatra</a:t>
-            </a:r>
-            <a:r>
-              <a:rPr lang="fr-FR" b="1" dirty="0" smtClean="0"/>
-              <a:t> </a:t>
-            </a:r>
-            <a:r>
-              <a:rPr lang="fr-FR" b="1" dirty="0" err="1" smtClean="0"/>
-              <a:t>azy</a:t>
-            </a:r>
-            <a:r>
-              <a:rPr lang="fr-FR" b="1" dirty="0" smtClean="0"/>
-              <a:t> </a:t>
-            </a:r>
-            <a:r>
-              <a:rPr lang="fr-FR" b="1" dirty="0" err="1" smtClean="0"/>
-              <a:t>ao</a:t>
-            </a:r>
-            <a:r>
-              <a:rPr lang="fr-FR" b="1" dirty="0" smtClean="0"/>
+              <a:rPr lang="fr-FR" sz="6600" b="1" dirty="0"/>
+              <a:t>Ny </a:t>
+            </a:r>
+            <a:r>
+              <a:rPr lang="fr-FR" sz="6600" b="1" dirty="0" err="1"/>
+              <a:t>mazava</a:t>
+            </a:r>
+            <a:r>
+              <a:rPr lang="fr-FR" sz="6600" b="1" dirty="0"/>
+              <a:t> </a:t>
+            </a:r>
+            <a:r>
+              <a:rPr lang="fr-FR" sz="6600" b="1" dirty="0" err="1"/>
+              <a:t>lehibe</a:t>
+            </a:r>
+            <a:r>
+              <a:rPr lang="fr-FR" sz="6600" b="1" dirty="0"/>
               <a:t> :,:</a:t>
             </a:r>
-            <a:endParaRPr lang="fr-FR" b="1" dirty="0"/>
+            <a:endParaRPr lang="fr-FR" sz="6600" dirty="0"/>
           </a:p>
         </p:txBody>
       </p:sp>
     </p:spTree>
+    <p:extLst>
+      <p:ext uri="{BB962C8B-B14F-4D97-AF65-F5344CB8AC3E}">
+        <p14:creationId xmlns:p14="http://schemas.microsoft.com/office/powerpoint/2010/main" val="359223664"/>
+      </p:ext>
+    </p:extLst>
   </p:cSld>
   <p:clrMapOvr>
     <a:masterClrMapping/>
@@ -4374,263 +4092,610 @@
           <a:lstStyle/>
           <a:p>
             <a:r>
-              <a:rPr lang="fr-FR" b="1" dirty="0" smtClean="0"/>
-              <a:t>5. </a:t>
-            </a:r>
-            <a:r>
-              <a:rPr lang="fr-FR" b="1" dirty="0" err="1" smtClean="0"/>
-              <a:t>Ny</a:t>
-            </a:r>
-            <a:r>
-              <a:rPr lang="fr-FR" b="1" dirty="0" smtClean="0"/>
-              <a:t> </a:t>
-            </a:r>
-            <a:r>
-              <a:rPr lang="fr-FR" b="1" dirty="0" err="1" smtClean="0"/>
-              <a:t>harena</a:t>
-            </a:r>
-            <a:r>
-              <a:rPr lang="fr-FR" b="1" dirty="0" smtClean="0"/>
-              <a:t> </a:t>
-            </a:r>
-            <a:r>
-              <a:rPr lang="fr-FR" b="1" dirty="0" err="1" smtClean="0"/>
-              <a:t>anomezo</a:t>
-            </a:r>
-            <a:r>
-              <a:rPr lang="fr-FR" b="1" dirty="0" smtClean="0"/>
-              <a:t/>
+              <a:rPr lang="fr-FR" sz="6600" b="1" dirty="0"/>
+              <a:t>3. Be </a:t>
+            </a:r>
+            <a:r>
+              <a:rPr lang="fr-FR" sz="6600" b="1" dirty="0" err="1"/>
+              <a:t>ny</a:t>
+            </a:r>
+            <a:r>
+              <a:rPr lang="fr-FR" sz="6600" b="1" dirty="0"/>
+              <a:t> </a:t>
+            </a:r>
+            <a:r>
+              <a:rPr lang="fr-FR" sz="6600" b="1" dirty="0" err="1"/>
+              <a:t>tany</a:t>
+            </a:r>
+            <a:r>
+              <a:rPr lang="fr-FR" sz="6600" b="1" dirty="0"/>
+              <a:t> </a:t>
+            </a:r>
+            <a:r>
+              <a:rPr lang="fr-FR" sz="6600" b="1" dirty="0" err="1"/>
+              <a:t>tsy</a:t>
+            </a:r>
+            <a:r>
+              <a:rPr lang="fr-FR" sz="6600" b="1" dirty="0"/>
+              <a:t> </a:t>
+            </a:r>
+            <a:r>
+              <a:rPr lang="fr-FR" sz="6600" b="1" dirty="0" err="1"/>
+              <a:t>voasa</a:t>
+            </a:r>
+            <a:r>
+              <a:rPr lang="fr-FR" sz="6600" b="1" dirty="0"/>
+              <a:t>,</a:t>
             </a:r>
             <a:br>
-              <a:rPr lang="fr-FR" b="1" dirty="0" smtClean="0"/>
+              <a:rPr lang="fr-FR" sz="6600" b="1" dirty="0"/>
             </a:br>
             <a:r>
-              <a:rPr lang="fr-FR" b="1" dirty="0" smtClean="0"/>
-              <a:t>      </a:t>
-            </a:r>
-            <a:r>
-              <a:rPr lang="fr-FR" b="1" dirty="0" err="1" smtClean="0"/>
-              <a:t>Sy</a:t>
-            </a:r>
-            <a:r>
-              <a:rPr lang="fr-FR" b="1" dirty="0" smtClean="0"/>
-              <a:t> </a:t>
-            </a:r>
-            <a:r>
-              <a:rPr lang="fr-FR" b="1" dirty="0" err="1" smtClean="0"/>
+              <a:rPr lang="fr-FR" sz="6600" b="1" dirty="0"/>
+              <a:t>    </a:t>
+            </a:r>
+            <a:r>
+              <a:rPr lang="fr-FR" sz="6600" b="1" dirty="0" err="1"/>
+              <a:t>Vitsy</a:t>
+            </a:r>
+            <a:r>
+              <a:rPr lang="fr-FR" sz="6600" b="1" dirty="0"/>
+              <a:t> </a:t>
+            </a:r>
+            <a:r>
+              <a:rPr lang="fr-FR" sz="6600" b="1" dirty="0" err="1"/>
               <a:t>ny</a:t>
             </a:r>
             <a:r>
-              <a:rPr lang="fr-FR" b="1" dirty="0" smtClean="0"/>
-              <a:t> </a:t>
-            </a:r>
-            <a:r>
-              <a:rPr lang="fr-FR" b="1" dirty="0" err="1" smtClean="0"/>
-              <a:t>fahendrena</a:t>
-            </a:r>
-            <a:r>
-              <a:rPr lang="fr-FR" b="1" dirty="0" smtClean="0"/>
-              <a:t> </a:t>
-            </a:r>
-            <a:r>
-              <a:rPr lang="fr-FR" b="1" dirty="0" err="1" smtClean="0"/>
-              <a:t>koa</a:t>
-            </a:r>
-            <a:r>
-              <a:rPr lang="fr-FR" b="1" dirty="0" smtClean="0"/>
+              <a:rPr lang="fr-FR" sz="6600" b="1" dirty="0"/>
+              <a:t> </a:t>
+            </a:r>
+            <a:r>
+              <a:rPr lang="fr-FR" sz="6600" b="1" dirty="0" err="1"/>
+              <a:t>mpanomponao</a:t>
+            </a:r>
+            <a:r>
+              <a:rPr lang="fr-FR" sz="6600" b="1" dirty="0"/>
+              <a:t> ;</a:t>
+            </a:r>
+            <a:br>
+              <a:rPr lang="fr-FR" sz="6600" b="1" dirty="0"/>
+            </a:br>
+            <a:r>
+              <a:rPr lang="fr-FR" sz="6600" b="1" dirty="0" err="1"/>
+              <a:t>Koa</a:t>
+            </a:r>
+            <a:r>
+              <a:rPr lang="fr-FR" sz="6600" b="1" dirty="0"/>
+              <a:t> </a:t>
+            </a:r>
+            <a:r>
+              <a:rPr lang="fr-FR" sz="6600" b="1" dirty="0" err="1"/>
+              <a:t>izahay</a:t>
+            </a:r>
+            <a:r>
+              <a:rPr lang="fr-FR" sz="6600" b="1" dirty="0"/>
+              <a:t> </a:t>
+            </a:r>
+            <a:r>
+              <a:rPr lang="fr-FR" sz="6600" b="1" dirty="0" err="1"/>
+              <a:t>mpiasa</a:t>
+            </a:r>
+            <a:br>
+              <a:rPr lang="fr-FR" sz="6600" b="1" dirty="0"/>
+            </a:br>
+            <a:r>
+              <a:rPr lang="fr-FR" sz="6600" b="1" dirty="0"/>
+              <a:t> Ao an-</a:t>
+            </a:r>
+            <a:r>
+              <a:rPr lang="fr-FR" sz="6600" b="1" dirty="0" err="1"/>
+              <a:t>tanimbolinao</a:t>
+            </a:r>
+            <a:endParaRPr lang="fr-FR" sz="6600" b="1" dirty="0"/>
+          </a:p>
+        </p:txBody>
+      </p:sp>
+    </p:spTree>
+  </p:cSld>
+  <p:clrMapOvr>
+    <a:masterClrMapping/>
+  </p:clrMapOvr>
+</p:sld>
+</file>
+
+<file path=ppt/slides/slide7.xml><?xml version="1.0" encoding="utf-8"?>
+<p:sld xmlns:a="http://schemas.openxmlformats.org/drawingml/2006/main" xmlns:r="http://schemas.openxmlformats.org/officeDocument/2006/relationships" xmlns:p="http://schemas.openxmlformats.org/presentationml/2006/main">
+  <p:cSld>
+    <p:spTree>
+      <p:nvGrpSpPr>
+        <p:cNvPr id="1" name=""/>
+        <p:cNvGrpSpPr/>
+        <p:nvPr/>
+      </p:nvGrpSpPr>
+      <p:grpSpPr>
+        <a:xfrm>
+          <a:off x="0" y="0"/>
+          <a:ext cx="0" cy="0"/>
+          <a:chOff x="0" y="0"/>
+          <a:chExt cx="0" cy="0"/>
+        </a:xfrm>
+      </p:grpSpPr>
+      <p:sp>
+        <p:nvSpPr>
+          <p:cNvPr id="5" name="ZoneTexte 4">
+            <a:extLst>
+              <a:ext uri="{FF2B5EF4-FFF2-40B4-BE49-F238E27FC236}">
+                <a16:creationId xmlns:a16="http://schemas.microsoft.com/office/drawing/2014/main" id="{CB162914-EBCB-D3EB-AC4A-5AB2E3549BA7}"/>
+              </a:ext>
+            </a:extLst>
+          </p:cNvPr>
+          <p:cNvSpPr txBox="1"/>
+          <p:nvPr/>
+        </p:nvSpPr>
+        <p:spPr>
+          <a:xfrm>
+            <a:off x="0" y="0"/>
+            <a:ext cx="9144000" cy="5170646"/>
+          </a:xfrm>
+          <a:prstGeom prst="rect">
+            <a:avLst/>
+          </a:prstGeom>
+          <a:noFill/>
+        </p:spPr>
+        <p:txBody>
+          <a:bodyPr wrap="square">
+            <a:spAutoFit/>
+          </a:bodyPr>
+          <a:lstStyle/>
+          <a:p>
+            <a:pPr algn="ctr"/>
+            <a:r>
+              <a:rPr lang="fr-FR" sz="6600" b="1" dirty="0" err="1"/>
+              <a:t>Mba</a:t>
+            </a:r>
+            <a:r>
+              <a:rPr lang="fr-FR" sz="6600" b="1" dirty="0"/>
+              <a:t> </a:t>
+            </a:r>
+            <a:r>
+              <a:rPr lang="fr-FR" sz="6600" b="1" dirty="0" err="1"/>
+              <a:t>omeo</a:t>
+            </a:r>
+            <a:r>
+              <a:rPr lang="fr-FR" sz="6600" b="1" dirty="0"/>
+              <a:t> </a:t>
+            </a:r>
+            <a:r>
+              <a:rPr lang="fr-FR" sz="6600" b="1" dirty="0" err="1"/>
+              <a:t>fo</a:t>
+            </a:r>
+            <a:r>
+              <a:rPr lang="fr-FR" sz="6600" b="1" dirty="0"/>
+              <a:t> </a:t>
+            </a:r>
+            <a:r>
+              <a:rPr lang="fr-FR" sz="6600" b="1" dirty="0" err="1"/>
+              <a:t>minia</a:t>
+            </a:r>
+            <a:br>
+              <a:rPr lang="fr-FR" sz="6600" b="1" dirty="0"/>
+            </a:br>
+            <a:r>
+              <a:rPr lang="fr-FR" sz="6600" b="1" dirty="0" err="1"/>
+              <a:t>Hankato</a:t>
+            </a:r>
+            <a:r>
+              <a:rPr lang="fr-FR" sz="6600" b="1" dirty="0"/>
+              <a:t> </a:t>
+            </a:r>
+            <a:r>
+              <a:rPr lang="fr-FR" sz="6600" b="1" dirty="0" err="1"/>
+              <a:t>ny</a:t>
+            </a:r>
+            <a:r>
+              <a:rPr lang="fr-FR" sz="6600" b="1" dirty="0"/>
+              <a:t> </a:t>
+            </a:r>
+            <a:r>
+              <a:rPr lang="fr-FR" sz="6600" b="1" dirty="0" err="1"/>
+              <a:t>teninao</a:t>
+            </a:r>
+            <a:r>
+              <a:rPr lang="fr-FR" sz="6600" b="1" dirty="0"/>
               <a:t>,</a:t>
             </a:r>
             <a:br>
-              <a:rPr lang="fr-FR" b="1" dirty="0" smtClean="0"/>
+              <a:rPr lang="fr-FR" sz="6600" b="1" dirty="0"/>
             </a:br>
             <a:r>
-              <a:rPr lang="fr-FR" b="1" dirty="0" smtClean="0"/>
-              <a:t>   </a:t>
-            </a:r>
-            <a:r>
-              <a:rPr lang="fr-FR" b="1" dirty="0" err="1" smtClean="0"/>
-              <a:t>Eny</a:t>
-            </a:r>
-            <a:r>
-              <a:rPr lang="fr-FR" b="1" dirty="0" smtClean="0"/>
+              <a:rPr lang="fr-FR" sz="6600" b="1" dirty="0"/>
+              <a:t>:,: Ka </a:t>
+            </a:r>
+            <a:r>
+              <a:rPr lang="fr-FR" sz="6600" b="1" dirty="0" err="1"/>
+              <a:t>aoka</a:t>
+            </a:r>
+            <a:r>
+              <a:rPr lang="fr-FR" sz="6600" b="1" dirty="0"/>
+              <a:t> </a:t>
+            </a:r>
+            <a:r>
+              <a:rPr lang="fr-FR" sz="6600" b="1" dirty="0" err="1"/>
+              <a:t>mba</a:t>
+            </a:r>
+            <a:r>
+              <a:rPr lang="fr-FR" sz="6600" b="1" dirty="0"/>
+              <a:t> </a:t>
+            </a:r>
+            <a:r>
+              <a:rPr lang="fr-FR" sz="6600" b="1" dirty="0" err="1"/>
+              <a:t>hikely</a:t>
+            </a:r>
+            <a:r>
+              <a:rPr lang="fr-FR" sz="6600" b="1" dirty="0"/>
+              <a:t> </a:t>
+            </a:r>
+            <a:r>
+              <a:rPr lang="fr-FR" sz="6600" b="1" dirty="0" err="1"/>
+              <a:t>aina</a:t>
+            </a:r>
+            <a:br>
+              <a:rPr lang="fr-FR" sz="6600" b="1" dirty="0"/>
+            </a:br>
+            <a:r>
+              <a:rPr lang="fr-FR" sz="6600" b="1" dirty="0" err="1"/>
+              <a:t>Izahay</a:t>
+            </a:r>
+            <a:r>
+              <a:rPr lang="fr-FR" sz="6600" b="1" dirty="0"/>
+              <a:t> </a:t>
+            </a:r>
+            <a:r>
+              <a:rPr lang="fr-FR" sz="6600" b="1" dirty="0" err="1"/>
+              <a:t>hiasa</a:t>
+            </a:r>
+            <a:r>
+              <a:rPr lang="fr-FR" sz="6600" b="1" dirty="0"/>
+              <a:t> ao :,:</a:t>
+            </a:r>
+            <a:endParaRPr lang="fr-FR" sz="6600" dirty="0"/>
+          </a:p>
+        </p:txBody>
+      </p:sp>
+    </p:spTree>
+    <p:extLst>
+      <p:ext uri="{BB962C8B-B14F-4D97-AF65-F5344CB8AC3E}">
+        <p14:creationId xmlns:p14="http://schemas.microsoft.com/office/powerpoint/2010/main" val="2905175215"/>
+      </p:ext>
+    </p:extLst>
+  </p:cSld>
+  <p:clrMapOvr>
+    <a:masterClrMapping/>
+  </p:clrMapOvr>
+</p:sld>
+</file>
+
+<file path=ppt/slides/slide8.xml><?xml version="1.0" encoding="utf-8"?>
+<p:sld xmlns:a="http://schemas.openxmlformats.org/drawingml/2006/main" xmlns:r="http://schemas.openxmlformats.org/officeDocument/2006/relationships" xmlns:p="http://schemas.openxmlformats.org/presentationml/2006/main">
+  <p:cSld>
+    <p:spTree>
+      <p:nvGrpSpPr>
+        <p:cNvPr id="1" name=""/>
+        <p:cNvGrpSpPr/>
+        <p:nvPr/>
+      </p:nvGrpSpPr>
+      <p:grpSpPr>
+        <a:xfrm>
+          <a:off x="0" y="0"/>
+          <a:ext cx="0" cy="0"/>
+          <a:chOff x="0" y="0"/>
+          <a:chExt cx="0" cy="0"/>
+        </a:xfrm>
+      </p:grpSpPr>
+      <p:sp>
+        <p:nvSpPr>
+          <p:cNvPr id="2" name="Titre 1"/>
+          <p:cNvSpPr>
+            <a:spLocks noGrp="1"/>
+          </p:cNvSpPr>
+          <p:nvPr>
+            <p:ph type="ctrTitle"/>
+          </p:nvPr>
+        </p:nvSpPr>
+        <p:spPr>
+          <a:xfrm>
+            <a:off x="0" y="0"/>
+            <a:ext cx="9144000" cy="5143499"/>
+          </a:xfrm>
+        </p:spPr>
+        <p:txBody>
+          <a:bodyPr>
+            <a:noAutofit/>
+          </a:bodyPr>
+          <a:lstStyle/>
+          <a:p>
+            <a:r>
+              <a:rPr lang="fr-FR" sz="6600" b="1" dirty="0"/>
+              <a:t>4. </a:t>
+            </a:r>
+            <a:r>
+              <a:rPr lang="fr-FR" sz="6600" b="1" dirty="0" err="1"/>
+              <a:t>Mankanesa</a:t>
+            </a:r>
+            <a:r>
+              <a:rPr lang="fr-FR" sz="6600" b="1" dirty="0"/>
               <a:t>, </a:t>
             </a:r>
             <a:r>
-              <a:rPr lang="fr-FR" b="1" dirty="0" err="1" smtClean="0"/>
-              <a:t>Kristiana</a:t>
-            </a:r>
-            <a:r>
-              <a:rPr lang="fr-FR" b="1" dirty="0" smtClean="0"/>
-              <a:t> ! </a:t>
-            </a:r>
-            <a:r>
-              <a:rPr lang="fr-FR" b="1" dirty="0" err="1" smtClean="0"/>
-              <a:t>aelezo</a:t>
-            </a:r>
-            <a:r>
-              <a:rPr lang="fr-FR" b="1" dirty="0" smtClean="0"/>
-              <a:t/>
+              <a:rPr lang="fr-FR" sz="6600" b="1" dirty="0" err="1"/>
+              <a:t>ry</a:t>
+            </a:r>
+            <a:r>
+              <a:rPr lang="fr-FR" sz="6600" b="1" dirty="0"/>
+              <a:t> </a:t>
+            </a:r>
+            <a:r>
+              <a:rPr lang="fr-FR" sz="6600" b="1" dirty="0" err="1"/>
+              <a:t>Mpitory</a:t>
+            </a:r>
+            <a:r>
+              <a:rPr lang="fr-FR" sz="6600" b="1" dirty="0"/>
+              <a:t> !</a:t>
             </a:r>
             <a:br>
-              <a:rPr lang="fr-FR" b="1" dirty="0" smtClean="0"/>
+              <a:rPr lang="fr-FR" sz="6600" b="1" dirty="0"/>
             </a:br>
             <a:r>
-              <a:rPr lang="fr-FR" b="1" dirty="0" smtClean="0"/>
-              <a:t>      </a:t>
-            </a:r>
-            <a:r>
-              <a:rPr lang="fr-FR" b="1" dirty="0" err="1" smtClean="0"/>
-              <a:t>Izay</a:t>
-            </a:r>
-            <a:r>
-              <a:rPr lang="fr-FR" b="1" dirty="0" smtClean="0"/>
-              <a:t> </a:t>
-            </a:r>
-            <a:r>
-              <a:rPr lang="fr-FR" b="1" dirty="0" err="1" smtClean="0"/>
-              <a:t>rehetra</a:t>
-            </a:r>
-            <a:r>
-              <a:rPr lang="fr-FR" b="1" dirty="0" smtClean="0"/>
-              <a:t> </a:t>
-            </a:r>
-            <a:r>
-              <a:rPr lang="fr-FR" b="1" dirty="0" err="1" smtClean="0"/>
-              <a:t>mahasoa</a:t>
-            </a:r>
-            <a:r>
-              <a:rPr lang="fr-FR" b="1" dirty="0" smtClean="0"/>
-              <a:t> ;</a:t>
+              <a:rPr lang="fr-FR" sz="6600" b="1" dirty="0"/>
+              <a:t>Ao an-</a:t>
+            </a:r>
+            <a:r>
+              <a:rPr lang="fr-FR" sz="6600" b="1" dirty="0" err="1"/>
+              <a:t>tany</a:t>
+            </a:r>
+            <a:r>
+              <a:rPr lang="fr-FR" sz="6600" b="1" dirty="0"/>
+              <a:t> </a:t>
+            </a:r>
+            <a:r>
+              <a:rPr lang="fr-FR" sz="6600" b="1" dirty="0" err="1"/>
+              <a:t>lavitra</a:t>
+            </a:r>
+            <a:r>
+              <a:rPr lang="fr-FR" sz="6600" b="1" dirty="0"/>
+              <a:t> ao,</a:t>
             </a:r>
             <a:br>
-              <a:rPr lang="fr-FR" b="1" dirty="0" smtClean="0"/>
+              <a:rPr lang="fr-FR" sz="6600" b="1" dirty="0"/>
             </a:br>
             <a:r>
-              <a:rPr lang="fr-FR" b="1" dirty="0" smtClean="0"/>
-              <a:t>   </a:t>
-            </a:r>
-            <a:r>
-              <a:rPr lang="fr-FR" b="1" dirty="0" err="1" smtClean="0"/>
-              <a:t>Mankanesa</a:t>
-            </a:r>
-            <a:r>
-              <a:rPr lang="fr-FR" b="1" dirty="0" smtClean="0"/>
-              <a:t> </a:t>
-            </a:r>
-            <a:r>
-              <a:rPr lang="fr-FR" b="1" dirty="0" err="1" smtClean="0"/>
-              <a:t>re</a:t>
-            </a:r>
-            <a:r>
-              <a:rPr lang="fr-FR" b="1" dirty="0" smtClean="0"/>
-              <a:t> </a:t>
-            </a:r>
-            <a:r>
-              <a:rPr lang="fr-FR" b="1" dirty="0" err="1" smtClean="0"/>
-              <a:t>izay</a:t>
-            </a:r>
-            <a:r>
-              <a:rPr lang="fr-FR" b="1" dirty="0" smtClean="0"/>
-              <a:t> </a:t>
-            </a:r>
-            <a:r>
-              <a:rPr lang="fr-FR" b="1" dirty="0" err="1" smtClean="0"/>
-              <a:t>tia</a:t>
-            </a:r>
-            <a:r>
-              <a:rPr lang="fr-FR" b="1" dirty="0" smtClean="0"/>
-              <a:t/>
+              <a:rPr lang="fr-FR" sz="6600" b="1" dirty="0"/>
+              <a:t>Be </a:t>
+            </a:r>
+            <a:r>
+              <a:rPr lang="fr-FR" sz="6600" b="1" dirty="0" err="1"/>
+              <a:t>tsy</a:t>
+            </a:r>
+            <a:r>
+              <a:rPr lang="fr-FR" sz="6600" b="1" dirty="0"/>
+              <a:t> </a:t>
+            </a:r>
+            <a:r>
+              <a:rPr lang="fr-FR" sz="6600" b="1" dirty="0" err="1"/>
+              <a:t>mahalala</a:t>
+            </a:r>
+            <a:r>
+              <a:rPr lang="fr-FR" sz="6600" b="1" dirty="0"/>
+              <a:t>  </a:t>
+            </a:r>
+            <a:r>
+              <a:rPr lang="fr-FR" sz="6600" b="1" dirty="0" err="1"/>
+              <a:t>akory</a:t>
             </a:r>
             <a:br>
-              <a:rPr lang="fr-FR" b="1" dirty="0" smtClean="0"/>
+              <a:rPr lang="fr-FR" sz="6600" b="1" dirty="0"/>
             </a:br>
             <a:r>
-              <a:rPr lang="fr-FR" b="1" dirty="0" smtClean="0"/>
-              <a:t>     </a:t>
-            </a:r>
-            <a:r>
-              <a:rPr lang="fr-FR" b="1" dirty="0" err="1" smtClean="0"/>
-              <a:t>Ny</a:t>
-            </a:r>
-            <a:r>
-              <a:rPr lang="fr-FR" b="1" dirty="0" smtClean="0"/>
-              <a:t> </a:t>
-            </a:r>
-            <a:r>
-              <a:rPr lang="fr-FR" b="1" dirty="0" err="1" smtClean="0"/>
-              <a:t>Mpamonjy</a:t>
-            </a:r>
-            <a:r>
-              <a:rPr lang="fr-FR" b="1" dirty="0" smtClean="0"/>
-              <a:t> </a:t>
-            </a:r>
-            <a:r>
-              <a:rPr lang="fr-FR" b="1" dirty="0" err="1" smtClean="0"/>
-              <a:t>lehibe</a:t>
-            </a:r>
-            <a:r>
-              <a:rPr lang="fr-FR" b="1" dirty="0" smtClean="0"/>
-              <a:t> ;</a:t>
-            </a:r>
-            <a:br>
-              <a:rPr lang="fr-FR" b="1" dirty="0" smtClean="0"/>
-            </a:br>
-            <a:r>
-              <a:rPr lang="fr-FR" b="1" dirty="0" smtClean="0"/>
-              <a:t>   :,: </a:t>
-            </a:r>
-            <a:r>
-              <a:rPr lang="fr-FR" b="1" dirty="0" err="1" smtClean="0"/>
-              <a:t>Miantrà</a:t>
-            </a:r>
-            <a:r>
-              <a:rPr lang="fr-FR" b="1" dirty="0" smtClean="0"/>
-              <a:t> ka </a:t>
-            </a:r>
-            <a:r>
-              <a:rPr lang="fr-FR" b="1" dirty="0" err="1" smtClean="0"/>
-              <a:t>manampia</a:t>
-            </a:r>
-            <a:r>
-              <a:rPr lang="fr-FR" b="1" dirty="0" smtClean="0"/>
-              <a:t/>
-            </a:r>
-            <a:br>
-              <a:rPr lang="fr-FR" b="1" dirty="0" smtClean="0"/>
-            </a:br>
-            <a:r>
-              <a:rPr lang="fr-FR" b="1" dirty="0" smtClean="0"/>
-              <a:t>    </a:t>
-            </a:r>
-            <a:r>
-              <a:rPr lang="fr-FR" b="1" dirty="0" err="1" smtClean="0"/>
-              <a:t>Ny</a:t>
-            </a:r>
-            <a:r>
-              <a:rPr lang="fr-FR" b="1" dirty="0" smtClean="0"/>
-              <a:t> </a:t>
-            </a:r>
-            <a:r>
-              <a:rPr lang="fr-FR" b="1" dirty="0" err="1" smtClean="0"/>
-              <a:t>mahantra</a:t>
-            </a:r>
-            <a:r>
-              <a:rPr lang="fr-FR" b="1" dirty="0" smtClean="0"/>
-              <a:t> </a:t>
-            </a:r>
-            <a:r>
-              <a:rPr lang="fr-FR" b="1" dirty="0" err="1" smtClean="0"/>
-              <a:t>marobe</a:t>
-            </a:r>
-            <a:r>
-              <a:rPr lang="fr-FR" b="1" dirty="0" smtClean="0"/>
-              <a:t> :,:</a:t>
-            </a:r>
-            <a:endParaRPr lang="fr-FR" b="1" dirty="0"/>
+              <a:rPr lang="fr-FR" sz="6600" b="1" dirty="0" err="1"/>
+              <a:t>An'i</a:t>
+            </a:r>
+            <a:r>
+              <a:rPr lang="fr-FR" sz="6600" b="1" dirty="0"/>
+              <a:t> </a:t>
+            </a:r>
+            <a:r>
+              <a:rPr lang="fr-FR" sz="6600" b="1" dirty="0" err="1"/>
+              <a:t>Jeso</a:t>
+            </a:r>
+            <a:r>
+              <a:rPr lang="fr-FR" sz="6600" b="1" dirty="0"/>
+              <a:t> </a:t>
+            </a:r>
+            <a:r>
+              <a:rPr lang="fr-FR" sz="6600" b="1" dirty="0" err="1"/>
+              <a:t>Tomponao</a:t>
+            </a:r>
+            <a:r>
+              <a:rPr lang="fr-FR" sz="6600" b="1" dirty="0"/>
+              <a:t>,</a:t>
+            </a:r>
           </a:p>
         </p:txBody>
       </p:sp>
     </p:spTree>
+  </p:cSld>
+  <p:clrMapOvr>
+    <a:masterClrMapping/>
+  </p:clrMapOvr>
+</p:sld>
+</file>
+
+<file path=ppt/slides/slide9.xml><?xml version="1.0" encoding="utf-8"?>
+<p:sld xmlns:a="http://schemas.openxmlformats.org/drawingml/2006/main" xmlns:r="http://schemas.openxmlformats.org/officeDocument/2006/relationships" xmlns:p="http://schemas.openxmlformats.org/presentationml/2006/main">
+  <p:cSld>
+    <p:spTree>
+      <p:nvGrpSpPr>
+        <p:cNvPr id="1" name=""/>
+        <p:cNvGrpSpPr/>
+        <p:nvPr/>
+      </p:nvGrpSpPr>
+      <p:grpSpPr>
+        <a:xfrm>
+          <a:off x="0" y="0"/>
+          <a:ext cx="0" cy="0"/>
+          <a:chOff x="0" y="0"/>
+          <a:chExt cx="0" cy="0"/>
+        </a:xfrm>
+      </p:grpSpPr>
+      <p:sp>
+        <p:nvSpPr>
+          <p:cNvPr id="5" name="ZoneTexte 4">
+            <a:extLst>
+              <a:ext uri="{FF2B5EF4-FFF2-40B4-BE49-F238E27FC236}">
+                <a16:creationId xmlns:a16="http://schemas.microsoft.com/office/drawing/2014/main" id="{4B389EA2-984F-D1E5-3700-95F5AD398CE1}"/>
+              </a:ext>
+            </a:extLst>
+          </p:cNvPr>
+          <p:cNvSpPr txBox="1"/>
+          <p:nvPr/>
+        </p:nvSpPr>
+        <p:spPr>
+          <a:xfrm>
+            <a:off x="0" y="0"/>
+            <a:ext cx="9144000" cy="5170646"/>
+          </a:xfrm>
+          <a:prstGeom prst="rect">
+            <a:avLst/>
+          </a:prstGeom>
+          <a:noFill/>
+        </p:spPr>
+        <p:txBody>
+          <a:bodyPr wrap="square">
+            <a:spAutoFit/>
+          </a:bodyPr>
+          <a:lstStyle/>
+          <a:p>
+            <a:pPr algn="ctr"/>
+            <a:r>
+              <a:rPr lang="fr-FR" sz="6600" b="1" dirty="0"/>
+              <a:t>He, </a:t>
+            </a:r>
+            <a:r>
+              <a:rPr lang="fr-FR" sz="6600" b="1" dirty="0" err="1"/>
+              <a:t>ny</a:t>
+            </a:r>
+            <a:r>
+              <a:rPr lang="fr-FR" sz="6600" b="1" dirty="0"/>
+              <a:t> </a:t>
+            </a:r>
+            <a:r>
+              <a:rPr lang="fr-FR" sz="6600" b="1" dirty="0" err="1"/>
+              <a:t>fahantrany</a:t>
+            </a:r>
+            <a:r>
+              <a:rPr lang="fr-FR" sz="6600" b="1" dirty="0"/>
+              <a:t>, </a:t>
+            </a:r>
+          </a:p>
+          <a:p>
+            <a:pPr algn="ctr"/>
+            <a:r>
+              <a:rPr lang="fr-FR" sz="6600" b="1" dirty="0" err="1"/>
+              <a:t>indrisy</a:t>
+            </a:r>
+            <a:r>
+              <a:rPr lang="fr-FR" sz="6600" b="1" dirty="0"/>
+              <a:t> !</a:t>
+            </a:r>
+          </a:p>
+          <a:p>
+            <a:pPr algn="ctr"/>
+            <a:r>
+              <a:rPr lang="fr-FR" sz="6600" b="1" dirty="0"/>
+              <a:t>He, </a:t>
+            </a:r>
+            <a:r>
+              <a:rPr lang="fr-FR" sz="6600" b="1" dirty="0" err="1"/>
+              <a:t>ny</a:t>
+            </a:r>
+            <a:r>
+              <a:rPr lang="fr-FR" sz="6600" b="1" dirty="0"/>
+              <a:t> </a:t>
+            </a:r>
+            <a:r>
+              <a:rPr lang="fr-FR" sz="6600" b="1" dirty="0" err="1"/>
+              <a:t>hadalan'ny</a:t>
+            </a:r>
+            <a:r>
+              <a:rPr lang="fr-FR" sz="6600" b="1" dirty="0"/>
+              <a:t> ao,</a:t>
+            </a:r>
+          </a:p>
+          <a:p>
+            <a:pPr algn="ctr"/>
+            <a:r>
+              <a:rPr lang="fr-FR" sz="6600" b="1" dirty="0"/>
+              <a:t>:,: Fa </a:t>
+            </a:r>
+            <a:r>
+              <a:rPr lang="fr-FR" sz="6600" b="1" dirty="0" err="1"/>
+              <a:t>ny</a:t>
+            </a:r>
+            <a:r>
+              <a:rPr lang="fr-FR" sz="6600" b="1" dirty="0"/>
+              <a:t> </a:t>
+            </a:r>
+            <a:r>
+              <a:rPr lang="fr-FR" sz="6600" b="1" dirty="0" err="1"/>
+              <a:t>olona</a:t>
+            </a:r>
+            <a:r>
+              <a:rPr lang="fr-FR" sz="6600" b="1" dirty="0"/>
+              <a:t> </a:t>
+            </a:r>
+            <a:r>
+              <a:rPr lang="fr-FR" sz="6600" b="1" dirty="0" err="1"/>
+              <a:t>tsy</a:t>
+            </a:r>
+            <a:r>
+              <a:rPr lang="fr-FR" sz="6600" b="1" dirty="0"/>
+              <a:t> </a:t>
+            </a:r>
+            <a:r>
+              <a:rPr lang="fr-FR" sz="6600" b="1" dirty="0" err="1"/>
+              <a:t>misy</a:t>
+            </a:r>
+            <a:endParaRPr lang="fr-FR" sz="6600" b="1" dirty="0"/>
+          </a:p>
+          <a:p>
+            <a:pPr algn="ctr"/>
+            <a:r>
+              <a:rPr lang="fr-FR" sz="6600" b="1" dirty="0" err="1"/>
+              <a:t>Hampianatra</a:t>
+            </a:r>
+            <a:r>
+              <a:rPr lang="fr-FR" sz="6600" b="1" dirty="0"/>
+              <a:t> </a:t>
+            </a:r>
+            <a:r>
+              <a:rPr lang="fr-FR" sz="6600" b="1" dirty="0" err="1"/>
+              <a:t>azy</a:t>
+            </a:r>
+            <a:r>
+              <a:rPr lang="fr-FR" sz="6600" b="1" dirty="0"/>
+              <a:t> ao :,:</a:t>
+            </a:r>
+            <a:endParaRPr lang="fr-FR" sz="6600" dirty="0"/>
+          </a:p>
+        </p:txBody>
+      </p:sp>
+    </p:spTree>
+    <p:extLst>
+      <p:ext uri="{BB962C8B-B14F-4D97-AF65-F5344CB8AC3E}">
+        <p14:creationId xmlns:p14="http://schemas.microsoft.com/office/powerpoint/2010/main" val="1644070711"/>
+      </p:ext>
+    </p:extLst>
   </p:cSld>
   <p:clrMapOvr>
     <a:masterClrMapping/>
